--- a/docs/diagrams/UndoRedoNewCommand1StateListDiagram.pptx
+++ b/docs/diagrams/UndoRedoNewCommand1StateListDiagram.pptx
@@ -112,10 +112,6 @@
 </p:presentation>
 </file>
 
-<file path=ppt/revisionInfo.xml><?xml version="1.0" encoding="utf-8"?>
-<p1510:revInfo xmlns:a="http://schemas.openxmlformats.org/drawingml/2006/main" xmlns:r="http://schemas.openxmlformats.org/officeDocument/2006/relationships" xmlns:p1510="http://schemas.microsoft.com/office/powerpoint/2015/10/main"/>
-</file>
-
 <file path=ppt/slideLayouts/slideLayout1.xml><?xml version="1.0" encoding="utf-8"?>
 <p:sldLayout xmlns:a="http://schemas.openxmlformats.org/drawingml/2006/main" xmlns:r="http://schemas.openxmlformats.org/officeDocument/2006/relationships" xmlns:p="http://schemas.openxmlformats.org/presentationml/2006/main" type="title" preserve="1">
   <p:cSld name="Title Slide">
@@ -265,7 +261,7 @@
           <a:p>
             <a:fld id="{03EC4E3E-8101-482F-A883-8B55DAFF7C07}" type="datetimeFigureOut">
               <a:rPr lang="en-SG" smtClean="0"/>
-              <a:t>6/7/2018</a:t>
+              <a:t>28/9/18</a:t>
             </a:fld>
             <a:endParaRPr lang="en-SG"/>
           </a:p>
@@ -465,7 +461,7 @@
           <a:p>
             <a:fld id="{03EC4E3E-8101-482F-A883-8B55DAFF7C07}" type="datetimeFigureOut">
               <a:rPr lang="en-SG" smtClean="0"/>
-              <a:t>6/7/2018</a:t>
+              <a:t>28/9/18</a:t>
             </a:fld>
             <a:endParaRPr lang="en-SG"/>
           </a:p>
@@ -675,7 +671,7 @@
           <a:p>
             <a:fld id="{03EC4E3E-8101-482F-A883-8B55DAFF7C07}" type="datetimeFigureOut">
               <a:rPr lang="en-SG" smtClean="0"/>
-              <a:t>6/7/2018</a:t>
+              <a:t>28/9/18</a:t>
             </a:fld>
             <a:endParaRPr lang="en-SG"/>
           </a:p>
@@ -875,7 +871,7 @@
           <a:p>
             <a:fld id="{03EC4E3E-8101-482F-A883-8B55DAFF7C07}" type="datetimeFigureOut">
               <a:rPr lang="en-SG" smtClean="0"/>
-              <a:t>6/7/2018</a:t>
+              <a:t>28/9/18</a:t>
             </a:fld>
             <a:endParaRPr lang="en-SG"/>
           </a:p>
@@ -1151,7 +1147,7 @@
           <a:p>
             <a:fld id="{03EC4E3E-8101-482F-A883-8B55DAFF7C07}" type="datetimeFigureOut">
               <a:rPr lang="en-SG" smtClean="0"/>
-              <a:t>6/7/2018</a:t>
+              <a:t>28/9/18</a:t>
             </a:fld>
             <a:endParaRPr lang="en-SG"/>
           </a:p>
@@ -1419,7 +1415,7 @@
           <a:p>
             <a:fld id="{03EC4E3E-8101-482F-A883-8B55DAFF7C07}" type="datetimeFigureOut">
               <a:rPr lang="en-SG" smtClean="0"/>
-              <a:t>6/7/2018</a:t>
+              <a:t>28/9/18</a:t>
             </a:fld>
             <a:endParaRPr lang="en-SG"/>
           </a:p>
@@ -1834,7 +1830,7 @@
           <a:p>
             <a:fld id="{03EC4E3E-8101-482F-A883-8B55DAFF7C07}" type="datetimeFigureOut">
               <a:rPr lang="en-SG" smtClean="0"/>
-              <a:t>6/7/2018</a:t>
+              <a:t>28/9/18</a:t>
             </a:fld>
             <a:endParaRPr lang="en-SG"/>
           </a:p>
@@ -1976,7 +1972,7 @@
           <a:p>
             <a:fld id="{03EC4E3E-8101-482F-A883-8B55DAFF7C07}" type="datetimeFigureOut">
               <a:rPr lang="en-SG" smtClean="0"/>
-              <a:t>6/7/2018</a:t>
+              <a:t>28/9/18</a:t>
             </a:fld>
             <a:endParaRPr lang="en-SG"/>
           </a:p>
@@ -2089,7 +2085,7 @@
           <a:p>
             <a:fld id="{03EC4E3E-8101-482F-A883-8B55DAFF7C07}" type="datetimeFigureOut">
               <a:rPr lang="en-SG" smtClean="0"/>
-              <a:t>6/7/2018</a:t>
+              <a:t>28/9/18</a:t>
             </a:fld>
             <a:endParaRPr lang="en-SG"/>
           </a:p>
@@ -2402,7 +2398,7 @@
           <a:p>
             <a:fld id="{03EC4E3E-8101-482F-A883-8B55DAFF7C07}" type="datetimeFigureOut">
               <a:rPr lang="en-SG" smtClean="0"/>
-              <a:t>6/7/2018</a:t>
+              <a:t>28/9/18</a:t>
             </a:fld>
             <a:endParaRPr lang="en-SG"/>
           </a:p>
@@ -2691,7 +2687,7 @@
           <a:p>
             <a:fld id="{03EC4E3E-8101-482F-A883-8B55DAFF7C07}" type="datetimeFigureOut">
               <a:rPr lang="en-SG" smtClean="0"/>
-              <a:t>6/7/2018</a:t>
+              <a:t>28/9/18</a:t>
             </a:fld>
             <a:endParaRPr lang="en-SG"/>
           </a:p>
@@ -2934,7 +2930,7 @@
           <a:p>
             <a:fld id="{03EC4E3E-8101-482F-A883-8B55DAFF7C07}" type="datetimeFigureOut">
               <a:rPr lang="en-SG" smtClean="0"/>
-              <a:t>6/7/2018</a:t>
+              <a:t>28/9/18</a:t>
             </a:fld>
             <a:endParaRPr lang="en-SG"/>
           </a:p>
@@ -3410,7 +3406,7 @@
           <p:nvPr>
             <p:extLst>
               <p:ext uri="{D42A27DB-BD31-4B8C-83A1-F6EECF244321}">
-                <p14:modId xmlns:p14="http://schemas.microsoft.com/office/powerpoint/2010/main" val="770650361"/>
+                <p14:modId xmlns:p14="http://schemas.microsoft.com/office/powerpoint/2010/main" val="3878439734"/>
               </p:ext>
             </p:extLst>
           </p:nvPr>
@@ -3441,12 +3437,20 @@
                     <a:lstStyle/>
                     <a:p>
                       <a:r>
+                        <a:rPr lang="en-US" altLang="zh-CN" u="sng" dirty="0"/>
+                        <a:t>fb</a:t>
+                      </a:r>
+                      <a:r>
                         <a:rPr lang="en-SG" u="sng" dirty="0"/>
-                        <a:t>ab0:</a:t>
+                        <a:t>0:</a:t>
+                      </a:r>
+                      <a:r>
+                        <a:rPr lang="en-US" altLang="zh-CN" sz="1800" u="sng" dirty="0"/>
+                        <a:t>Forum</a:t>
                       </a:r>
                       <a:r>
                         <a:rPr lang="en-SG" sz="1800" u="sng" dirty="0"/>
-                        <a:t>AddressBook</a:t>
+                        <a:t>Book</a:t>
                       </a:r>
                       <a:endParaRPr lang="en-SG" sz="1600" u="sng" dirty="0"/>
                     </a:p>
@@ -3472,7 +3476,7 @@
         <p:spPr>
           <a:xfrm>
             <a:off x="4397701" y="2244365"/>
-            <a:ext cx="1672046" cy="1402081"/>
+            <a:ext cx="3017860" cy="1402081"/>
           </a:xfrm>
           <a:prstGeom prst="downArrow">
             <a:avLst/>
@@ -3501,7 +3505,26 @@
             <a:pPr algn="ctr"/>
             <a:r>
               <a:rPr lang="en-SG" dirty="0"/>
-              <a:t>delete 5</a:t>
+              <a:t>delete </a:t>
+            </a:r>
+          </a:p>
+          <a:p>
+            <a:pPr algn="ctr"/>
+            <a:r>
+              <a:rPr lang="en-US" altLang="zh-CN" dirty="0"/>
+              <a:t>m/CS2113</a:t>
+            </a:r>
+            <a:r>
+              <a:rPr lang="zh-CN" altLang="en-US" dirty="0"/>
+              <a:t> </a:t>
+            </a:r>
+            <a:r>
+              <a:rPr lang="en-US" altLang="zh-CN" dirty="0" err="1"/>
+              <a:t>i</a:t>
+            </a:r>
+            <a:r>
+              <a:rPr lang="en-US" altLang="zh-CN" dirty="0"/>
+              <a:t>/1</a:t>
             </a:r>
             <a:endParaRPr lang="en-US" dirty="0"/>
           </a:p>
@@ -3658,7 +3681,7 @@
           <p:nvPr>
             <p:extLst>
               <p:ext uri="{D42A27DB-BD31-4B8C-83A1-F6EECF244321}">
-                <p14:modId xmlns:p14="http://schemas.microsoft.com/office/powerpoint/2010/main" val="2370624015"/>
+                <p14:modId xmlns:p14="http://schemas.microsoft.com/office/powerpoint/2010/main" val="934255952"/>
               </p:ext>
             </p:extLst>
           </p:nvPr>
@@ -3689,12 +3712,20 @@
                     <a:lstStyle/>
                     <a:p>
                       <a:r>
+                        <a:rPr lang="en-US" altLang="zh-CN" u="sng" dirty="0"/>
+                        <a:t>f</a:t>
+                      </a:r>
+                      <a:r>
                         <a:rPr lang="en-SG" u="sng" dirty="0"/>
-                        <a:t>ab1:</a:t>
+                        <a:t>b1:</a:t>
+                      </a:r>
+                      <a:r>
+                        <a:rPr lang="en-US" altLang="zh-CN" sz="1800" u="sng" dirty="0"/>
+                        <a:t>Forum</a:t>
                       </a:r>
                       <a:r>
                         <a:rPr lang="en-SG" sz="1800" u="sng" dirty="0"/>
-                        <a:t>AddressBook</a:t>
+                        <a:t>Book</a:t>
                       </a:r>
                       <a:endParaRPr lang="en-SG" sz="1600" u="sng" dirty="0"/>
                     </a:p>
@@ -3726,7 +3757,7 @@
           <p:nvPr>
             <p:extLst>
               <p:ext uri="{D42A27DB-BD31-4B8C-83A1-F6EECF244321}">
-                <p14:modId xmlns:p14="http://schemas.microsoft.com/office/powerpoint/2010/main" val="2523374166"/>
+                <p14:modId xmlns:p14="http://schemas.microsoft.com/office/powerpoint/2010/main" val="168243639"/>
               </p:ext>
             </p:extLst>
           </p:nvPr>
@@ -3757,12 +3788,20 @@
                     <a:lstStyle/>
                     <a:p>
                       <a:r>
+                        <a:rPr lang="en-US" altLang="zh-CN" u="sng" dirty="0"/>
+                        <a:t>fb</a:t>
+                      </a:r>
+                      <a:r>
                         <a:rPr lang="en-SG" u="sng" dirty="0"/>
-                        <a:t>ab0:</a:t>
+                        <a:t>0:</a:t>
+                      </a:r>
+                      <a:r>
+                        <a:rPr lang="en-US" altLang="zh-CN" sz="1800" u="sng" dirty="0"/>
+                        <a:t>Forum</a:t>
                       </a:r>
                       <a:r>
                         <a:rPr lang="en-SG" sz="1800" u="sng" dirty="0"/>
-                        <a:t>AddressBook</a:t>
+                        <a:t>Book</a:t>
                       </a:r>
                       <a:endParaRPr lang="en-SG" sz="1600" u="sng" dirty="0"/>
                     </a:p>

--- a/docs/diagrams/UndoRedoNewCommand1StateListDiagram.pptx
+++ b/docs/diagrams/UndoRedoNewCommand1StateListDiagram.pptx
@@ -112,10 +112,6 @@
 </p:presentation>
 </file>
 
-<file path=ppt/revisionInfo.xml><?xml version="1.0" encoding="utf-8"?>
-<p1510:revInfo xmlns:a="http://schemas.openxmlformats.org/drawingml/2006/main" xmlns:r="http://schemas.openxmlformats.org/officeDocument/2006/relationships" xmlns:p1510="http://schemas.microsoft.com/office/powerpoint/2015/10/main"/>
-</file>
-
 <file path=ppt/slideLayouts/slideLayout1.xml><?xml version="1.0" encoding="utf-8"?>
 <p:sldLayout xmlns:a="http://schemas.openxmlformats.org/drawingml/2006/main" xmlns:r="http://schemas.openxmlformats.org/officeDocument/2006/relationships" xmlns:p="http://schemas.openxmlformats.org/presentationml/2006/main" type="title" preserve="1">
   <p:cSld name="Title Slide">
@@ -265,7 +261,7 @@
           <a:p>
             <a:fld id="{03EC4E3E-8101-482F-A883-8B55DAFF7C07}" type="datetimeFigureOut">
               <a:rPr lang="en-SG" smtClean="0"/>
-              <a:t>6/7/2018</a:t>
+              <a:t>21/10/2018</a:t>
             </a:fld>
             <a:endParaRPr lang="en-SG"/>
           </a:p>
@@ -465,7 +461,7 @@
           <a:p>
             <a:fld id="{03EC4E3E-8101-482F-A883-8B55DAFF7C07}" type="datetimeFigureOut">
               <a:rPr lang="en-SG" smtClean="0"/>
-              <a:t>6/7/2018</a:t>
+              <a:t>21/10/2018</a:t>
             </a:fld>
             <a:endParaRPr lang="en-SG"/>
           </a:p>
@@ -675,7 +671,7 @@
           <a:p>
             <a:fld id="{03EC4E3E-8101-482F-A883-8B55DAFF7C07}" type="datetimeFigureOut">
               <a:rPr lang="en-SG" smtClean="0"/>
-              <a:t>6/7/2018</a:t>
+              <a:t>21/10/2018</a:t>
             </a:fld>
             <a:endParaRPr lang="en-SG"/>
           </a:p>
@@ -875,7 +871,7 @@
           <a:p>
             <a:fld id="{03EC4E3E-8101-482F-A883-8B55DAFF7C07}" type="datetimeFigureOut">
               <a:rPr lang="en-SG" smtClean="0"/>
-              <a:t>6/7/2018</a:t>
+              <a:t>21/10/2018</a:t>
             </a:fld>
             <a:endParaRPr lang="en-SG"/>
           </a:p>
@@ -1151,7 +1147,7 @@
           <a:p>
             <a:fld id="{03EC4E3E-8101-482F-A883-8B55DAFF7C07}" type="datetimeFigureOut">
               <a:rPr lang="en-SG" smtClean="0"/>
-              <a:t>6/7/2018</a:t>
+              <a:t>21/10/2018</a:t>
             </a:fld>
             <a:endParaRPr lang="en-SG"/>
           </a:p>
@@ -1419,7 +1415,7 @@
           <a:p>
             <a:fld id="{03EC4E3E-8101-482F-A883-8B55DAFF7C07}" type="datetimeFigureOut">
               <a:rPr lang="en-SG" smtClean="0"/>
-              <a:t>6/7/2018</a:t>
+              <a:t>21/10/2018</a:t>
             </a:fld>
             <a:endParaRPr lang="en-SG"/>
           </a:p>
@@ -1834,7 +1830,7 @@
           <a:p>
             <a:fld id="{03EC4E3E-8101-482F-A883-8B55DAFF7C07}" type="datetimeFigureOut">
               <a:rPr lang="en-SG" smtClean="0"/>
-              <a:t>6/7/2018</a:t>
+              <a:t>21/10/2018</a:t>
             </a:fld>
             <a:endParaRPr lang="en-SG"/>
           </a:p>
@@ -1976,7 +1972,7 @@
           <a:p>
             <a:fld id="{03EC4E3E-8101-482F-A883-8B55DAFF7C07}" type="datetimeFigureOut">
               <a:rPr lang="en-SG" smtClean="0"/>
-              <a:t>6/7/2018</a:t>
+              <a:t>21/10/2018</a:t>
             </a:fld>
             <a:endParaRPr lang="en-SG"/>
           </a:p>
@@ -2089,7 +2085,7 @@
           <a:p>
             <a:fld id="{03EC4E3E-8101-482F-A883-8B55DAFF7C07}" type="datetimeFigureOut">
               <a:rPr lang="en-SG" smtClean="0"/>
-              <a:t>6/7/2018</a:t>
+              <a:t>21/10/2018</a:t>
             </a:fld>
             <a:endParaRPr lang="en-SG"/>
           </a:p>
@@ -2402,7 +2398,7 @@
           <a:p>
             <a:fld id="{03EC4E3E-8101-482F-A883-8B55DAFF7C07}" type="datetimeFigureOut">
               <a:rPr lang="en-SG" smtClean="0"/>
-              <a:t>6/7/2018</a:t>
+              <a:t>21/10/2018</a:t>
             </a:fld>
             <a:endParaRPr lang="en-SG"/>
           </a:p>
@@ -2691,7 +2687,7 @@
           <a:p>
             <a:fld id="{03EC4E3E-8101-482F-A883-8B55DAFF7C07}" type="datetimeFigureOut">
               <a:rPr lang="en-SG" smtClean="0"/>
-              <a:t>6/7/2018</a:t>
+              <a:t>21/10/2018</a:t>
             </a:fld>
             <a:endParaRPr lang="en-SG"/>
           </a:p>
@@ -2934,7 +2930,7 @@
           <a:p>
             <a:fld id="{03EC4E3E-8101-482F-A883-8B55DAFF7C07}" type="datetimeFigureOut">
               <a:rPr lang="en-SG" smtClean="0"/>
-              <a:t>6/7/2018</a:t>
+              <a:t>21/10/2018</a:t>
             </a:fld>
             <a:endParaRPr lang="en-SG"/>
           </a:p>
@@ -3410,7 +3406,7 @@
           <p:nvPr>
             <p:extLst>
               <p:ext uri="{D42A27DB-BD31-4B8C-83A1-F6EECF244321}">
-                <p14:modId xmlns:p14="http://schemas.microsoft.com/office/powerpoint/2010/main" val="770650361"/>
+                <p14:modId xmlns:p14="http://schemas.microsoft.com/office/powerpoint/2010/main" val="1284505767"/>
               </p:ext>
             </p:extLst>
           </p:nvPr>
@@ -3446,7 +3442,7 @@
                       </a:r>
                       <a:r>
                         <a:rPr lang="en-SG" sz="1800" u="sng" dirty="0"/>
-                        <a:t>AddressBook</a:t>
+                        <a:t>TaskBook</a:t>
                       </a:r>
                       <a:endParaRPr lang="en-SG" sz="1600" u="sng" dirty="0"/>
                     </a:p>
@@ -3658,7 +3654,7 @@
           <p:nvPr>
             <p:extLst>
               <p:ext uri="{D42A27DB-BD31-4B8C-83A1-F6EECF244321}">
-                <p14:modId xmlns:p14="http://schemas.microsoft.com/office/powerpoint/2010/main" val="2370624015"/>
+                <p14:modId xmlns:p14="http://schemas.microsoft.com/office/powerpoint/2010/main" val="1949345661"/>
               </p:ext>
             </p:extLst>
           </p:nvPr>
@@ -3689,12 +3685,12 @@
                     <a:lstStyle/>
                     <a:p>
                       <a:r>
-                        <a:rPr lang="en-SG" u="sng" dirty="0"/>
+                        <a:rPr lang="en-SG" u="sng"/>
                         <a:t>ab1:</a:t>
                       </a:r>
                       <a:r>
-                        <a:rPr lang="en-SG" sz="1800" u="sng" dirty="0"/>
-                        <a:t>AddressBook</a:t>
+                        <a:rPr lang="en-SG" sz="1800" u="sng"/>
+                        <a:t>TaskBook</a:t>
                       </a:r>
                       <a:endParaRPr lang="en-SG" sz="1600" u="sng" dirty="0"/>
                     </a:p>
@@ -3726,7 +3722,7 @@
           <p:nvPr>
             <p:extLst>
               <p:ext uri="{D42A27DB-BD31-4B8C-83A1-F6EECF244321}">
-                <p14:modId xmlns:p14="http://schemas.microsoft.com/office/powerpoint/2010/main" val="2523374166"/>
+                <p14:modId xmlns:p14="http://schemas.microsoft.com/office/powerpoint/2010/main" val="887243465"/>
               </p:ext>
             </p:extLst>
           </p:nvPr>
@@ -3762,7 +3758,7 @@
                       </a:r>
                       <a:r>
                         <a:rPr lang="en-SG" sz="1800" u="sng" dirty="0"/>
-                        <a:t>AddressBook</a:t>
+                        <a:t>TaskBook</a:t>
                       </a:r>
                       <a:endParaRPr lang="en-SG" sz="1600" u="sng" dirty="0"/>
                     </a:p>

--- a/docs/diagrams/UndoRedoNewCommand1StateListDiagram.pptx
+++ b/docs/diagrams/UndoRedoNewCommand1StateListDiagram.pptx
@@ -112,10 +112,6 @@
 </p:presentation>
 </file>
 
-<file path=ppt/revisionInfo.xml><?xml version="1.0" encoding="utf-8"?>
-<p1510:revInfo xmlns:a="http://schemas.openxmlformats.org/drawingml/2006/main" xmlns:r="http://schemas.openxmlformats.org/officeDocument/2006/relationships" xmlns:p1510="http://schemas.microsoft.com/office/powerpoint/2015/10/main"/>
-</file>
-
 <file path=ppt/slideLayouts/slideLayout1.xml><?xml version="1.0" encoding="utf-8"?>
 <p:sldLayout xmlns:a="http://schemas.openxmlformats.org/drawingml/2006/main" xmlns:r="http://schemas.openxmlformats.org/officeDocument/2006/relationships" xmlns:p="http://schemas.openxmlformats.org/presentationml/2006/main" type="title" preserve="1">
   <p:cSld name="Title Slide">
@@ -265,7 +261,7 @@
           <a:p>
             <a:fld id="{03EC4E3E-8101-482F-A883-8B55DAFF7C07}" type="datetimeFigureOut">
               <a:rPr lang="en-SG" smtClean="0"/>
-              <a:t>6/7/2018</a:t>
+              <a:t>2/11/18</a:t>
             </a:fld>
             <a:endParaRPr lang="en-SG"/>
           </a:p>
@@ -465,7 +461,7 @@
           <a:p>
             <a:fld id="{03EC4E3E-8101-482F-A883-8B55DAFF7C07}" type="datetimeFigureOut">
               <a:rPr lang="en-SG" smtClean="0"/>
-              <a:t>6/7/2018</a:t>
+              <a:t>2/11/18</a:t>
             </a:fld>
             <a:endParaRPr lang="en-SG"/>
           </a:p>
@@ -675,7 +671,7 @@
           <a:p>
             <a:fld id="{03EC4E3E-8101-482F-A883-8B55DAFF7C07}" type="datetimeFigureOut">
               <a:rPr lang="en-SG" smtClean="0"/>
-              <a:t>6/7/2018</a:t>
+              <a:t>2/11/18</a:t>
             </a:fld>
             <a:endParaRPr lang="en-SG"/>
           </a:p>
@@ -875,7 +871,7 @@
           <a:p>
             <a:fld id="{03EC4E3E-8101-482F-A883-8B55DAFF7C07}" type="datetimeFigureOut">
               <a:rPr lang="en-SG" smtClean="0"/>
-              <a:t>6/7/2018</a:t>
+              <a:t>2/11/18</a:t>
             </a:fld>
             <a:endParaRPr lang="en-SG"/>
           </a:p>
@@ -1151,7 +1147,7 @@
           <a:p>
             <a:fld id="{03EC4E3E-8101-482F-A883-8B55DAFF7C07}" type="datetimeFigureOut">
               <a:rPr lang="en-SG" smtClean="0"/>
-              <a:t>6/7/2018</a:t>
+              <a:t>2/11/18</a:t>
             </a:fld>
             <a:endParaRPr lang="en-SG"/>
           </a:p>
@@ -1419,7 +1415,7 @@
           <a:p>
             <a:fld id="{03EC4E3E-8101-482F-A883-8B55DAFF7C07}" type="datetimeFigureOut">
               <a:rPr lang="en-SG" smtClean="0"/>
-              <a:t>6/7/2018</a:t>
+              <a:t>2/11/18</a:t>
             </a:fld>
             <a:endParaRPr lang="en-SG"/>
           </a:p>
@@ -1834,7 +1830,7 @@
           <a:p>
             <a:fld id="{03EC4E3E-8101-482F-A883-8B55DAFF7C07}" type="datetimeFigureOut">
               <a:rPr lang="en-SG" smtClean="0"/>
-              <a:t>6/7/2018</a:t>
+              <a:t>2/11/18</a:t>
             </a:fld>
             <a:endParaRPr lang="en-SG"/>
           </a:p>
@@ -1976,7 +1972,7 @@
           <a:p>
             <a:fld id="{03EC4E3E-8101-482F-A883-8B55DAFF7C07}" type="datetimeFigureOut">
               <a:rPr lang="en-SG" smtClean="0"/>
-              <a:t>6/7/2018</a:t>
+              <a:t>2/11/18</a:t>
             </a:fld>
             <a:endParaRPr lang="en-SG"/>
           </a:p>
@@ -2089,7 +2085,7 @@
           <a:p>
             <a:fld id="{03EC4E3E-8101-482F-A883-8B55DAFF7C07}" type="datetimeFigureOut">
               <a:rPr lang="en-SG" smtClean="0"/>
-              <a:t>6/7/2018</a:t>
+              <a:t>2/11/18</a:t>
             </a:fld>
             <a:endParaRPr lang="en-SG"/>
           </a:p>
@@ -2402,7 +2398,7 @@
           <a:p>
             <a:fld id="{03EC4E3E-8101-482F-A883-8B55DAFF7C07}" type="datetimeFigureOut">
               <a:rPr lang="en-SG" smtClean="0"/>
-              <a:t>6/7/2018</a:t>
+              <a:t>2/11/18</a:t>
             </a:fld>
             <a:endParaRPr lang="en-SG"/>
           </a:p>
@@ -2691,7 +2687,7 @@
           <a:p>
             <a:fld id="{03EC4E3E-8101-482F-A883-8B55DAFF7C07}" type="datetimeFigureOut">
               <a:rPr lang="en-SG" smtClean="0"/>
-              <a:t>6/7/2018</a:t>
+              <a:t>2/11/18</a:t>
             </a:fld>
             <a:endParaRPr lang="en-SG"/>
           </a:p>
@@ -2934,7 +2930,7 @@
           <a:p>
             <a:fld id="{03EC4E3E-8101-482F-A883-8B55DAFF7C07}" type="datetimeFigureOut">
               <a:rPr lang="en-SG" smtClean="0"/>
-              <a:t>6/7/2018</a:t>
+              <a:t>2/11/18</a:t>
             </a:fld>
             <a:endParaRPr lang="en-SG"/>
           </a:p>
@@ -3410,7 +3406,7 @@
           <p:nvPr>
             <p:extLst>
               <p:ext uri="{D42A27DB-BD31-4B8C-83A1-F6EECF244321}">
-                <p14:modId xmlns:p14="http://schemas.microsoft.com/office/powerpoint/2010/main" val="770650361"/>
+                <p14:modId xmlns:p14="http://schemas.microsoft.com/office/powerpoint/2010/main" val="3402532079"/>
               </p:ext>
             </p:extLst>
           </p:nvPr>
@@ -3441,14 +3437,9 @@
                     <a:lstStyle/>
                     <a:p>
                       <a:r>
-                        <a:rPr lang="en-SG" u="sng" dirty="0"/>
-                        <a:t>ab0:</a:t>
+                        <a:rPr lang="en-SG" sz="1600" u="sng" dirty="0"/>
+                        <a:t>em0:EventManager</a:t>
                       </a:r>
-                      <a:r>
-                        <a:rPr lang="en-SG" sz="1800" u="sng" dirty="0"/>
-                        <a:t>AddressBook</a:t>
-                      </a:r>
-                      <a:endParaRPr lang="en-SG" sz="1600" u="sng" dirty="0"/>
                     </a:p>
                   </a:txBody>
                   <a:tcPr/>
@@ -3643,142 +3634,6 @@
           </a:p>
         </p:txBody>
       </p:sp>
-      <p:graphicFrame>
-        <p:nvGraphicFramePr>
-          <p:cNvPr id="12" name="Table 11">
-            <a:extLst>
-              <a:ext uri="{FF2B5EF4-FFF2-40B4-BE49-F238E27FC236}">
-                <a16:creationId xmlns:a16="http://schemas.microsoft.com/office/drawing/2014/main" id="{F545FAB8-F1CE-4886-9BDE-E772BCB0A9C4}"/>
-              </a:ext>
-            </a:extLst>
-          </p:cNvPr>
-          <p:cNvGraphicFramePr>
-            <a:graphicFrameLocks noGrp="1"/>
-          </p:cNvGraphicFramePr>
-          <p:nvPr>
-            <p:extLst>
-              <p:ext uri="{D42A27DB-BD31-4B8C-83A1-F6EECF244321}">
-                <p14:modId xmlns:p14="http://schemas.microsoft.com/office/powerpoint/2010/main" val="2370624015"/>
-              </p:ext>
-            </p:extLst>
-          </p:nvPr>
-        </p:nvGraphicFramePr>
-        <p:xfrm>
-          <a:off x="2448268" y="3926065"/>
-          <a:ext cx="1833356" cy="410363"/>
-        </p:xfrm>
-        <a:graphic>
-          <a:graphicData uri="http://schemas.openxmlformats.org/drawingml/2006/table">
-            <a:tbl>
-              <a:tblPr>
-                <a:tableStyleId>{638B1855-1B75-4FBE-930C-398BA8C253C6}</a:tableStyleId>
-              </a:tblPr>
-              <a:tblGrid>
-                <a:gridCol w="1833356">
-                  <a:extLst>
-                    <a:ext uri="{9D8B030D-6E8A-4147-A177-3AD203B41FA5}">
-                      <a16:colId xmlns:a16="http://schemas.microsoft.com/office/drawing/2014/main" val="4240773277"/>
-                    </a:ext>
-                  </a:extLst>
-                </a:gridCol>
-              </a:tblGrid>
-              <a:tr h="410363">
-                <a:tc>
-                  <a:txBody>
-                    <a:bodyPr/>
-                    <a:lstStyle/>
-                    <a:p>
-                      <a:r>
-                        <a:rPr lang="en-SG" u="sng" dirty="0"/>
-                        <a:t>ab1:</a:t>
-                      </a:r>
-                      <a:r>
-                        <a:rPr lang="en-SG" sz="1800" u="sng" dirty="0"/>
-                        <a:t>AddressBook</a:t>
-                      </a:r>
-                      <a:endParaRPr lang="en-SG" sz="1600" u="sng" dirty="0"/>
-                    </a:p>
-                  </a:txBody>
-                  <a:tcPr/>
-                </a:tc>
-                <a:extLst>
-                  <a:ext uri="{0D108BD9-81ED-4DB2-BD59-A6C34878D82A}">
-                    <a16:rowId xmlns:a16="http://schemas.microsoft.com/office/drawing/2014/main" val="2194462629"/>
-                  </a:ext>
-                </a:extLst>
-              </a:tr>
-            </a:tbl>
-          </a:graphicData>
-        </a:graphic>
-      </p:graphicFrame>
-      <p:graphicFrame>
-        <p:nvGraphicFramePr>
-          <p:cNvPr id="15" name="Table 14">
-            <a:extLst>
-              <a:ext uri="{FF2B5EF4-FFF2-40B4-BE49-F238E27FC236}">
-                <a16:creationId xmlns:a16="http://schemas.microsoft.com/office/drawing/2014/main" id="{F545FAB8-F1CE-4886-9BDE-E772BCB0A9C4}"/>
-              </a:ext>
-            </a:extLst>
-          </p:cNvPr>
-          <p:cNvGraphicFramePr>
-            <a:graphicFrameLocks noGrp="1"/>
-          </p:cNvGraphicFramePr>
-          <p:nvPr>
-            <p:extLst>
-              <p:ext uri="{D42A27DB-BD31-4B8C-83A1-F6EECF244321}">
-                <p14:modId xmlns:p14="http://schemas.microsoft.com/office/powerpoint/2010/main" val="2523374166"/>
-              </p:ext>
-            </p:extLst>
-          </p:nvPr>
-        </p:nvGraphicFramePr>
-        <p:xfrm>
-          <a:off x="473240" y="3918002"/>
-          <a:ext cx="1833356" cy="410363"/>
-        </p:xfrm>
-        <a:graphic>
-          <a:graphicData uri="http://schemas.openxmlformats.org/drawingml/2006/table">
-            <a:tbl>
-              <a:tblPr>
-                <a:tableStyleId>{638B1855-1B75-4FBE-930C-398BA8C253C6}</a:tableStyleId>
-              </a:tblPr>
-              <a:tblGrid>
-                <a:gridCol w="1833356">
-                  <a:extLst>
-                    <a:ext uri="{9D8B030D-6E8A-4147-A177-3AD203B41FA5}">
-                      <a16:colId xmlns:a16="http://schemas.microsoft.com/office/drawing/2014/main" val="4240773277"/>
-                    </a:ext>
-                  </a:extLst>
-                </a:gridCol>
-              </a:tblGrid>
-              <a:tr h="410363">
-                <a:tc>
-                  <a:txBody>
-                    <a:bodyPr/>
-                    <a:lstStyle/>
-                    <a:p>
-                      <a:r>
-                        <a:rPr lang="en-SG" u="sng" dirty="0"/>
-                        <a:t>ab0:</a:t>
-                      </a:r>
-                      <a:r>
-                        <a:rPr lang="en-SG" sz="1800" u="sng" dirty="0"/>
-                        <a:t>AddressBook</a:t>
-                      </a:r>
-                      <a:endParaRPr lang="en-SG" sz="1600" u="sng" dirty="0"/>
-                    </a:p>
-                  </a:txBody>
-                  <a:tcPr/>
-                </a:tc>
-                <a:extLst>
-                  <a:ext uri="{0D108BD9-81ED-4DB2-BD59-A6C34878D82A}">
-                    <a16:rowId xmlns:a16="http://schemas.microsoft.com/office/drawing/2014/main" val="2194462629"/>
-                  </a:ext>
-                </a:extLst>
-              </a:tr>
-            </a:tbl>
-          </a:graphicData>
-        </a:graphic>
-      </p:graphicFrame>
       <p:cxnSp>
         <p:nvCxnSpPr>
           <p:cNvPr id="14" name="Straight Arrow Connector 13">
@@ -3867,6 +3722,132 @@
           </a:fontRef>
         </p:style>
       </p:cxnSp>
+      <p:graphicFrame>
+        <p:nvGraphicFramePr>
+          <p:cNvPr id="17" name="Table 16">
+            <a:extLst>
+              <a:ext uri="{FF2B5EF4-FFF2-40B4-BE49-F238E27FC236}">
+                <a16:creationId xmlns:a16="http://schemas.microsoft.com/office/drawing/2014/main" id="{1626F3A5-8323-434F-B274-8DAEC91172D6}"/>
+              </a:ext>
+            </a:extLst>
+          </p:cNvPr>
+          <p:cNvGraphicFramePr>
+            <a:graphicFrameLocks noGrp="1"/>
+          </p:cNvGraphicFramePr>
+          <p:nvPr>
+            <p:extLst>
+              <p:ext uri="{D42A27DB-BD31-4B8C-83A1-F6EECF244321}">
+                <p14:modId xmlns:p14="http://schemas.microsoft.com/office/powerpoint/2010/main" val="1521649116"/>
+              </p:ext>
+            </p:extLst>
+          </p:nvPr>
+        </p:nvGraphicFramePr>
+        <p:xfrm>
+          <a:off x="473240" y="3926064"/>
+          <a:ext cx="1833356" cy="410363"/>
+        </p:xfrm>
+        <a:graphic>
+          <a:graphicData uri="http://schemas.openxmlformats.org/drawingml/2006/table">
+            <a:tbl>
+              <a:tblPr>
+                <a:tableStyleId>{638B1855-1B75-4FBE-930C-398BA8C253C6}</a:tableStyleId>
+              </a:tblPr>
+              <a:tblGrid>
+                <a:gridCol w="1833356">
+                  <a:extLst>
+                    <a:ext uri="{9D8B030D-6E8A-4147-A177-3AD203B41FA5}">
+                      <a16:colId xmlns:a16="http://schemas.microsoft.com/office/drawing/2014/main" val="4240773277"/>
+                    </a:ext>
+                  </a:extLst>
+                </a:gridCol>
+              </a:tblGrid>
+              <a:tr h="410363">
+                <a:tc>
+                  <a:txBody>
+                    <a:bodyPr/>
+                    <a:lstStyle/>
+                    <a:p>
+                      <a:r>
+                        <a:rPr lang="en-SG" sz="1600" u="sng" dirty="0"/>
+                        <a:t>em0:EventManager</a:t>
+                      </a:r>
+                    </a:p>
+                  </a:txBody>
+                  <a:tcPr/>
+                </a:tc>
+                <a:extLst>
+                  <a:ext uri="{0D108BD9-81ED-4DB2-BD59-A6C34878D82A}">
+                    <a16:rowId xmlns:a16="http://schemas.microsoft.com/office/drawing/2014/main" val="2194462629"/>
+                  </a:ext>
+                </a:extLst>
+              </a:tr>
+            </a:tbl>
+          </a:graphicData>
+        </a:graphic>
+      </p:graphicFrame>
+      <p:graphicFrame>
+        <p:nvGraphicFramePr>
+          <p:cNvPr id="18" name="Table 17">
+            <a:extLst>
+              <a:ext uri="{FF2B5EF4-FFF2-40B4-BE49-F238E27FC236}">
+                <a16:creationId xmlns:a16="http://schemas.microsoft.com/office/drawing/2014/main" id="{C9A707A3-D2EC-3041-AF99-6C2090159DC5}"/>
+              </a:ext>
+            </a:extLst>
+          </p:cNvPr>
+          <p:cNvGraphicFramePr>
+            <a:graphicFrameLocks noGrp="1"/>
+          </p:cNvGraphicFramePr>
+          <p:nvPr>
+            <p:extLst>
+              <p:ext uri="{D42A27DB-BD31-4B8C-83A1-F6EECF244321}">
+                <p14:modId xmlns:p14="http://schemas.microsoft.com/office/powerpoint/2010/main" val="925959475"/>
+              </p:ext>
+            </p:extLst>
+          </p:nvPr>
+        </p:nvGraphicFramePr>
+        <p:xfrm>
+          <a:off x="2472474" y="3929598"/>
+          <a:ext cx="1833356" cy="410363"/>
+        </p:xfrm>
+        <a:graphic>
+          <a:graphicData uri="http://schemas.openxmlformats.org/drawingml/2006/table">
+            <a:tbl>
+              <a:tblPr>
+                <a:tableStyleId>{638B1855-1B75-4FBE-930C-398BA8C253C6}</a:tableStyleId>
+              </a:tblPr>
+              <a:tblGrid>
+                <a:gridCol w="1833356">
+                  <a:extLst>
+                    <a:ext uri="{9D8B030D-6E8A-4147-A177-3AD203B41FA5}">
+                      <a16:colId xmlns:a16="http://schemas.microsoft.com/office/drawing/2014/main" val="4240773277"/>
+                    </a:ext>
+                  </a:extLst>
+                </a:gridCol>
+              </a:tblGrid>
+              <a:tr h="410363">
+                <a:tc>
+                  <a:txBody>
+                    <a:bodyPr/>
+                    <a:lstStyle/>
+                    <a:p>
+                      <a:r>
+                        <a:rPr lang="en-SG" sz="1600" u="sng" dirty="0"/>
+                        <a:t>em1:EventManager</a:t>
+                      </a:r>
+                    </a:p>
+                  </a:txBody>
+                  <a:tcPr/>
+                </a:tc>
+                <a:extLst>
+                  <a:ext uri="{0D108BD9-81ED-4DB2-BD59-A6C34878D82A}">
+                    <a16:rowId xmlns:a16="http://schemas.microsoft.com/office/drawing/2014/main" val="2194462629"/>
+                  </a:ext>
+                </a:extLst>
+              </a:tr>
+            </a:tbl>
+          </a:graphicData>
+        </a:graphic>
+      </p:graphicFrame>
     </p:spTree>
     <p:extLst>
       <p:ext uri="{BB962C8B-B14F-4D97-AF65-F5344CB8AC3E}">

--- a/docs/diagrams/UndoRedoNewCommand1StateListDiagram.pptx
+++ b/docs/diagrams/UndoRedoNewCommand1StateListDiagram.pptx
@@ -112,10 +112,6 @@
 </p:presentation>
 </file>
 
-<file path=ppt/revisionInfo.xml><?xml version="1.0" encoding="utf-8"?>
-<p1510:revInfo xmlns:a="http://schemas.openxmlformats.org/drawingml/2006/main" xmlns:r="http://schemas.openxmlformats.org/officeDocument/2006/relationships" xmlns:p1510="http://schemas.microsoft.com/office/powerpoint/2015/10/main"/>
-</file>
-
 <file path=ppt/slideLayouts/slideLayout1.xml><?xml version="1.0" encoding="utf-8"?>
 <p:sldLayout xmlns:a="http://schemas.openxmlformats.org/drawingml/2006/main" xmlns:r="http://schemas.openxmlformats.org/officeDocument/2006/relationships" xmlns:p="http://schemas.openxmlformats.org/presentationml/2006/main" type="title" preserve="1">
   <p:cSld name="Title Slide">
@@ -265,7 +261,7 @@
           <a:p>
             <a:fld id="{03EC4E3E-8101-482F-A883-8B55DAFF7C07}" type="datetimeFigureOut">
               <a:rPr lang="en-SG" smtClean="0"/>
-              <a:t>6/7/2018</a:t>
+              <a:t>10/11/2018</a:t>
             </a:fld>
             <a:endParaRPr lang="en-SG"/>
           </a:p>
@@ -465,7 +461,7 @@
           <a:p>
             <a:fld id="{03EC4E3E-8101-482F-A883-8B55DAFF7C07}" type="datetimeFigureOut">
               <a:rPr lang="en-SG" smtClean="0"/>
-              <a:t>6/7/2018</a:t>
+              <a:t>10/11/2018</a:t>
             </a:fld>
             <a:endParaRPr lang="en-SG"/>
           </a:p>
@@ -675,7 +671,7 @@
           <a:p>
             <a:fld id="{03EC4E3E-8101-482F-A883-8B55DAFF7C07}" type="datetimeFigureOut">
               <a:rPr lang="en-SG" smtClean="0"/>
-              <a:t>6/7/2018</a:t>
+              <a:t>10/11/2018</a:t>
             </a:fld>
             <a:endParaRPr lang="en-SG"/>
           </a:p>
@@ -875,7 +871,7 @@
           <a:p>
             <a:fld id="{03EC4E3E-8101-482F-A883-8B55DAFF7C07}" type="datetimeFigureOut">
               <a:rPr lang="en-SG" smtClean="0"/>
-              <a:t>6/7/2018</a:t>
+              <a:t>10/11/2018</a:t>
             </a:fld>
             <a:endParaRPr lang="en-SG"/>
           </a:p>
@@ -1151,7 +1147,7 @@
           <a:p>
             <a:fld id="{03EC4E3E-8101-482F-A883-8B55DAFF7C07}" type="datetimeFigureOut">
               <a:rPr lang="en-SG" smtClean="0"/>
-              <a:t>6/7/2018</a:t>
+              <a:t>10/11/2018</a:t>
             </a:fld>
             <a:endParaRPr lang="en-SG"/>
           </a:p>
@@ -1419,7 +1415,7 @@
           <a:p>
             <a:fld id="{03EC4E3E-8101-482F-A883-8B55DAFF7C07}" type="datetimeFigureOut">
               <a:rPr lang="en-SG" smtClean="0"/>
-              <a:t>6/7/2018</a:t>
+              <a:t>10/11/2018</a:t>
             </a:fld>
             <a:endParaRPr lang="en-SG"/>
           </a:p>
@@ -1834,7 +1830,7 @@
           <a:p>
             <a:fld id="{03EC4E3E-8101-482F-A883-8B55DAFF7C07}" type="datetimeFigureOut">
               <a:rPr lang="en-SG" smtClean="0"/>
-              <a:t>6/7/2018</a:t>
+              <a:t>10/11/2018</a:t>
             </a:fld>
             <a:endParaRPr lang="en-SG"/>
           </a:p>
@@ -1976,7 +1972,7 @@
           <a:p>
             <a:fld id="{03EC4E3E-8101-482F-A883-8B55DAFF7C07}" type="datetimeFigureOut">
               <a:rPr lang="en-SG" smtClean="0"/>
-              <a:t>6/7/2018</a:t>
+              <a:t>10/11/2018</a:t>
             </a:fld>
             <a:endParaRPr lang="en-SG"/>
           </a:p>
@@ -2089,7 +2085,7 @@
           <a:p>
             <a:fld id="{03EC4E3E-8101-482F-A883-8B55DAFF7C07}" type="datetimeFigureOut">
               <a:rPr lang="en-SG" smtClean="0"/>
-              <a:t>6/7/2018</a:t>
+              <a:t>10/11/2018</a:t>
             </a:fld>
             <a:endParaRPr lang="en-SG"/>
           </a:p>
@@ -2402,7 +2398,7 @@
           <a:p>
             <a:fld id="{03EC4E3E-8101-482F-A883-8B55DAFF7C07}" type="datetimeFigureOut">
               <a:rPr lang="en-SG" smtClean="0"/>
-              <a:t>6/7/2018</a:t>
+              <a:t>10/11/2018</a:t>
             </a:fld>
             <a:endParaRPr lang="en-SG"/>
           </a:p>
@@ -2691,7 +2687,7 @@
           <a:p>
             <a:fld id="{03EC4E3E-8101-482F-A883-8B55DAFF7C07}" type="datetimeFigureOut">
               <a:rPr lang="en-SG" smtClean="0"/>
-              <a:t>6/7/2018</a:t>
+              <a:t>10/11/2018</a:t>
             </a:fld>
             <a:endParaRPr lang="en-SG"/>
           </a:p>
@@ -2934,7 +2930,7 @@
           <a:p>
             <a:fld id="{03EC4E3E-8101-482F-A883-8B55DAFF7C07}" type="datetimeFigureOut">
               <a:rPr lang="en-SG" smtClean="0"/>
-              <a:t>6/7/2018</a:t>
+              <a:t>10/11/2018</a:t>
             </a:fld>
             <a:endParaRPr lang="en-SG"/>
           </a:p>
@@ -3410,14 +3406,14 @@
           <p:nvPr>
             <p:extLst>
               <p:ext uri="{D42A27DB-BD31-4B8C-83A1-F6EECF244321}">
-                <p14:modId xmlns:p14="http://schemas.microsoft.com/office/powerpoint/2010/main" val="770650361"/>
+                <p14:modId xmlns:p14="http://schemas.microsoft.com/office/powerpoint/2010/main" val="867443970"/>
               </p:ext>
             </p:extLst>
           </p:nvPr>
         </p:nvGraphicFramePr>
         <p:xfrm>
           <a:off x="473240" y="1476102"/>
-          <a:ext cx="1833356" cy="410363"/>
+          <a:ext cx="2140420" cy="410363"/>
         </p:xfrm>
         <a:graphic>
           <a:graphicData uri="http://schemas.openxmlformats.org/drawingml/2006/table">
@@ -3426,7 +3422,7 @@
                 <a:tableStyleId>{638B1855-1B75-4FBE-930C-398BA8C253C6}</a:tableStyleId>
               </a:tblPr>
               <a:tblGrid>
-                <a:gridCol w="1833356">
+                <a:gridCol w="2140420">
                   <a:extLst>
                     <a:ext uri="{9D8B030D-6E8A-4147-A177-3AD203B41FA5}">
                       <a16:colId xmlns:a16="http://schemas.microsoft.com/office/drawing/2014/main" val="4240773277"/>
@@ -3442,11 +3438,7 @@
                     <a:p>
                       <a:r>
                         <a:rPr lang="en-SG" u="sng" dirty="0"/>
-                        <a:t>ab0:</a:t>
-                      </a:r>
-                      <a:r>
-                        <a:rPr lang="en-SG" sz="1800" u="sng" dirty="0"/>
-                        <a:t>AddressBook</a:t>
+                        <a:t>fp0:FinancialPlanner</a:t>
                       </a:r>
                       <a:endParaRPr lang="en-SG" sz="1600" u="sng" dirty="0"/>
                     </a:p>
@@ -3643,142 +3635,6 @@
           </a:p>
         </p:txBody>
       </p:sp>
-      <p:graphicFrame>
-        <p:nvGraphicFramePr>
-          <p:cNvPr id="12" name="Table 11">
-            <a:extLst>
-              <a:ext uri="{FF2B5EF4-FFF2-40B4-BE49-F238E27FC236}">
-                <a16:creationId xmlns:a16="http://schemas.microsoft.com/office/drawing/2014/main" id="{F545FAB8-F1CE-4886-9BDE-E772BCB0A9C4}"/>
-              </a:ext>
-            </a:extLst>
-          </p:cNvPr>
-          <p:cNvGraphicFramePr>
-            <a:graphicFrameLocks noGrp="1"/>
-          </p:cNvGraphicFramePr>
-          <p:nvPr>
-            <p:extLst>
-              <p:ext uri="{D42A27DB-BD31-4B8C-83A1-F6EECF244321}">
-                <p14:modId xmlns:p14="http://schemas.microsoft.com/office/powerpoint/2010/main" val="2370624015"/>
-              </p:ext>
-            </p:extLst>
-          </p:nvPr>
-        </p:nvGraphicFramePr>
-        <p:xfrm>
-          <a:off x="2448268" y="3926065"/>
-          <a:ext cx="1833356" cy="410363"/>
-        </p:xfrm>
-        <a:graphic>
-          <a:graphicData uri="http://schemas.openxmlformats.org/drawingml/2006/table">
-            <a:tbl>
-              <a:tblPr>
-                <a:tableStyleId>{638B1855-1B75-4FBE-930C-398BA8C253C6}</a:tableStyleId>
-              </a:tblPr>
-              <a:tblGrid>
-                <a:gridCol w="1833356">
-                  <a:extLst>
-                    <a:ext uri="{9D8B030D-6E8A-4147-A177-3AD203B41FA5}">
-                      <a16:colId xmlns:a16="http://schemas.microsoft.com/office/drawing/2014/main" val="4240773277"/>
-                    </a:ext>
-                  </a:extLst>
-                </a:gridCol>
-              </a:tblGrid>
-              <a:tr h="410363">
-                <a:tc>
-                  <a:txBody>
-                    <a:bodyPr/>
-                    <a:lstStyle/>
-                    <a:p>
-                      <a:r>
-                        <a:rPr lang="en-SG" u="sng" dirty="0"/>
-                        <a:t>ab1:</a:t>
-                      </a:r>
-                      <a:r>
-                        <a:rPr lang="en-SG" sz="1800" u="sng" dirty="0"/>
-                        <a:t>AddressBook</a:t>
-                      </a:r>
-                      <a:endParaRPr lang="en-SG" sz="1600" u="sng" dirty="0"/>
-                    </a:p>
-                  </a:txBody>
-                  <a:tcPr/>
-                </a:tc>
-                <a:extLst>
-                  <a:ext uri="{0D108BD9-81ED-4DB2-BD59-A6C34878D82A}">
-                    <a16:rowId xmlns:a16="http://schemas.microsoft.com/office/drawing/2014/main" val="2194462629"/>
-                  </a:ext>
-                </a:extLst>
-              </a:tr>
-            </a:tbl>
-          </a:graphicData>
-        </a:graphic>
-      </p:graphicFrame>
-      <p:graphicFrame>
-        <p:nvGraphicFramePr>
-          <p:cNvPr id="15" name="Table 14">
-            <a:extLst>
-              <a:ext uri="{FF2B5EF4-FFF2-40B4-BE49-F238E27FC236}">
-                <a16:creationId xmlns:a16="http://schemas.microsoft.com/office/drawing/2014/main" id="{F545FAB8-F1CE-4886-9BDE-E772BCB0A9C4}"/>
-              </a:ext>
-            </a:extLst>
-          </p:cNvPr>
-          <p:cNvGraphicFramePr>
-            <a:graphicFrameLocks noGrp="1"/>
-          </p:cNvGraphicFramePr>
-          <p:nvPr>
-            <p:extLst>
-              <p:ext uri="{D42A27DB-BD31-4B8C-83A1-F6EECF244321}">
-                <p14:modId xmlns:p14="http://schemas.microsoft.com/office/powerpoint/2010/main" val="2523374166"/>
-              </p:ext>
-            </p:extLst>
-          </p:nvPr>
-        </p:nvGraphicFramePr>
-        <p:xfrm>
-          <a:off x="473240" y="3918002"/>
-          <a:ext cx="1833356" cy="410363"/>
-        </p:xfrm>
-        <a:graphic>
-          <a:graphicData uri="http://schemas.openxmlformats.org/drawingml/2006/table">
-            <a:tbl>
-              <a:tblPr>
-                <a:tableStyleId>{638B1855-1B75-4FBE-930C-398BA8C253C6}</a:tableStyleId>
-              </a:tblPr>
-              <a:tblGrid>
-                <a:gridCol w="1833356">
-                  <a:extLst>
-                    <a:ext uri="{9D8B030D-6E8A-4147-A177-3AD203B41FA5}">
-                      <a16:colId xmlns:a16="http://schemas.microsoft.com/office/drawing/2014/main" val="4240773277"/>
-                    </a:ext>
-                  </a:extLst>
-                </a:gridCol>
-              </a:tblGrid>
-              <a:tr h="410363">
-                <a:tc>
-                  <a:txBody>
-                    <a:bodyPr/>
-                    <a:lstStyle/>
-                    <a:p>
-                      <a:r>
-                        <a:rPr lang="en-SG" u="sng" dirty="0"/>
-                        <a:t>ab0:</a:t>
-                      </a:r>
-                      <a:r>
-                        <a:rPr lang="en-SG" sz="1800" u="sng" dirty="0"/>
-                        <a:t>AddressBook</a:t>
-                      </a:r>
-                      <a:endParaRPr lang="en-SG" sz="1600" u="sng" dirty="0"/>
-                    </a:p>
-                  </a:txBody>
-                  <a:tcPr/>
-                </a:tc>
-                <a:extLst>
-                  <a:ext uri="{0D108BD9-81ED-4DB2-BD59-A6C34878D82A}">
-                    <a16:rowId xmlns:a16="http://schemas.microsoft.com/office/drawing/2014/main" val="2194462629"/>
-                  </a:ext>
-                </a:extLst>
-              </a:tr>
-            </a:tbl>
-          </a:graphicData>
-        </a:graphic>
-      </p:graphicFrame>
       <p:cxnSp>
         <p:nvCxnSpPr>
           <p:cNvPr id="14" name="Straight Arrow Connector 13">
@@ -3867,6 +3723,134 @@
           </a:fontRef>
         </p:style>
       </p:cxnSp>
+      <p:graphicFrame>
+        <p:nvGraphicFramePr>
+          <p:cNvPr id="21" name="Table 20">
+            <a:extLst>
+              <a:ext uri="{FF2B5EF4-FFF2-40B4-BE49-F238E27FC236}">
+                <a16:creationId xmlns:a16="http://schemas.microsoft.com/office/drawing/2014/main" id="{41CA2590-9117-4724-A4CD-EA7F86592CA8}"/>
+              </a:ext>
+            </a:extLst>
+          </p:cNvPr>
+          <p:cNvGraphicFramePr>
+            <a:graphicFrameLocks noGrp="1"/>
+          </p:cNvGraphicFramePr>
+          <p:nvPr>
+            <p:extLst>
+              <p:ext uri="{D42A27DB-BD31-4B8C-83A1-F6EECF244321}">
+                <p14:modId xmlns:p14="http://schemas.microsoft.com/office/powerpoint/2010/main" val="1486291818"/>
+              </p:ext>
+            </p:extLst>
+          </p:nvPr>
+        </p:nvGraphicFramePr>
+        <p:xfrm>
+          <a:off x="473240" y="3896672"/>
+          <a:ext cx="2140420" cy="410363"/>
+        </p:xfrm>
+        <a:graphic>
+          <a:graphicData uri="http://schemas.openxmlformats.org/drawingml/2006/table">
+            <a:tbl>
+              <a:tblPr>
+                <a:tableStyleId>{638B1855-1B75-4FBE-930C-398BA8C253C6}</a:tableStyleId>
+              </a:tblPr>
+              <a:tblGrid>
+                <a:gridCol w="2140420">
+                  <a:extLst>
+                    <a:ext uri="{9D8B030D-6E8A-4147-A177-3AD203B41FA5}">
+                      <a16:colId xmlns:a16="http://schemas.microsoft.com/office/drawing/2014/main" val="4240773277"/>
+                    </a:ext>
+                  </a:extLst>
+                </a:gridCol>
+              </a:tblGrid>
+              <a:tr h="410363">
+                <a:tc>
+                  <a:txBody>
+                    <a:bodyPr/>
+                    <a:lstStyle/>
+                    <a:p>
+                      <a:r>
+                        <a:rPr lang="en-SG" u="sng" dirty="0"/>
+                        <a:t>fp0:FinancialPlanner</a:t>
+                      </a:r>
+                      <a:endParaRPr lang="en-SG" sz="1600" u="sng" dirty="0"/>
+                    </a:p>
+                  </a:txBody>
+                  <a:tcPr/>
+                </a:tc>
+                <a:extLst>
+                  <a:ext uri="{0D108BD9-81ED-4DB2-BD59-A6C34878D82A}">
+                    <a16:rowId xmlns:a16="http://schemas.microsoft.com/office/drawing/2014/main" val="2194462629"/>
+                  </a:ext>
+                </a:extLst>
+              </a:tr>
+            </a:tbl>
+          </a:graphicData>
+        </a:graphic>
+      </p:graphicFrame>
+      <p:graphicFrame>
+        <p:nvGraphicFramePr>
+          <p:cNvPr id="22" name="Table 21">
+            <a:extLst>
+              <a:ext uri="{FF2B5EF4-FFF2-40B4-BE49-F238E27FC236}">
+                <a16:creationId xmlns:a16="http://schemas.microsoft.com/office/drawing/2014/main" id="{A6B4BFC4-38C4-4B7C-8839-17BCBFF964E5}"/>
+              </a:ext>
+            </a:extLst>
+          </p:cNvPr>
+          <p:cNvGraphicFramePr>
+            <a:graphicFrameLocks noGrp="1"/>
+          </p:cNvGraphicFramePr>
+          <p:nvPr>
+            <p:extLst>
+              <p:ext uri="{D42A27DB-BD31-4B8C-83A1-F6EECF244321}">
+                <p14:modId xmlns:p14="http://schemas.microsoft.com/office/powerpoint/2010/main" val="637867045"/>
+              </p:ext>
+            </p:extLst>
+          </p:nvPr>
+        </p:nvGraphicFramePr>
+        <p:xfrm>
+          <a:off x="2701512" y="3896671"/>
+          <a:ext cx="2140420" cy="410363"/>
+        </p:xfrm>
+        <a:graphic>
+          <a:graphicData uri="http://schemas.openxmlformats.org/drawingml/2006/table">
+            <a:tbl>
+              <a:tblPr>
+                <a:tableStyleId>{638B1855-1B75-4FBE-930C-398BA8C253C6}</a:tableStyleId>
+              </a:tblPr>
+              <a:tblGrid>
+                <a:gridCol w="2140420">
+                  <a:extLst>
+                    <a:ext uri="{9D8B030D-6E8A-4147-A177-3AD203B41FA5}">
+                      <a16:colId xmlns:a16="http://schemas.microsoft.com/office/drawing/2014/main" val="4240773277"/>
+                    </a:ext>
+                  </a:extLst>
+                </a:gridCol>
+              </a:tblGrid>
+              <a:tr h="410363">
+                <a:tc>
+                  <a:txBody>
+                    <a:bodyPr/>
+                    <a:lstStyle/>
+                    <a:p>
+                      <a:r>
+                        <a:rPr lang="en-SG" u="sng" dirty="0"/>
+                        <a:t>fp1:FinancialPlanner</a:t>
+                      </a:r>
+                      <a:endParaRPr lang="en-SG" sz="1600" u="sng" dirty="0"/>
+                    </a:p>
+                  </a:txBody>
+                  <a:tcPr/>
+                </a:tc>
+                <a:extLst>
+                  <a:ext uri="{0D108BD9-81ED-4DB2-BD59-A6C34878D82A}">
+                    <a16:rowId xmlns:a16="http://schemas.microsoft.com/office/drawing/2014/main" val="2194462629"/>
+                  </a:ext>
+                </a:extLst>
+              </a:tr>
+            </a:tbl>
+          </a:graphicData>
+        </a:graphic>
+      </p:graphicFrame>
     </p:spTree>
     <p:extLst>
       <p:ext uri="{BB962C8B-B14F-4D97-AF65-F5344CB8AC3E}">

--- a/docs/diagrams/UndoRedoNewCommand1StateListDiagram.pptx
+++ b/docs/diagrams/UndoRedoNewCommand1StateListDiagram.pptx
@@ -112,10 +112,6 @@
 </p:presentation>
 </file>
 
-<file path=ppt/revisionInfo.xml><?xml version="1.0" encoding="utf-8"?>
-<p1510:revInfo xmlns:a="http://schemas.openxmlformats.org/drawingml/2006/main" xmlns:r="http://schemas.openxmlformats.org/officeDocument/2006/relationships" xmlns:p1510="http://schemas.microsoft.com/office/powerpoint/2015/10/main"/>
-</file>
-
 <file path=ppt/slideLayouts/slideLayout1.xml><?xml version="1.0" encoding="utf-8"?>
 <p:sldLayout xmlns:a="http://schemas.openxmlformats.org/drawingml/2006/main" xmlns:r="http://schemas.openxmlformats.org/officeDocument/2006/relationships" xmlns:p="http://schemas.openxmlformats.org/presentationml/2006/main" type="title" preserve="1">
   <p:cSld name="Title Slide">
@@ -265,7 +261,7 @@
           <a:p>
             <a:fld id="{03EC4E3E-8101-482F-A883-8B55DAFF7C07}" type="datetimeFigureOut">
               <a:rPr lang="en-SG" smtClean="0"/>
-              <a:t>6/7/2018</a:t>
+              <a:t>12/11/2018</a:t>
             </a:fld>
             <a:endParaRPr lang="en-SG"/>
           </a:p>
@@ -465,7 +461,7 @@
           <a:p>
             <a:fld id="{03EC4E3E-8101-482F-A883-8B55DAFF7C07}" type="datetimeFigureOut">
               <a:rPr lang="en-SG" smtClean="0"/>
-              <a:t>6/7/2018</a:t>
+              <a:t>12/11/2018</a:t>
             </a:fld>
             <a:endParaRPr lang="en-SG"/>
           </a:p>
@@ -675,7 +671,7 @@
           <a:p>
             <a:fld id="{03EC4E3E-8101-482F-A883-8B55DAFF7C07}" type="datetimeFigureOut">
               <a:rPr lang="en-SG" smtClean="0"/>
-              <a:t>6/7/2018</a:t>
+              <a:t>12/11/2018</a:t>
             </a:fld>
             <a:endParaRPr lang="en-SG"/>
           </a:p>
@@ -875,7 +871,7 @@
           <a:p>
             <a:fld id="{03EC4E3E-8101-482F-A883-8B55DAFF7C07}" type="datetimeFigureOut">
               <a:rPr lang="en-SG" smtClean="0"/>
-              <a:t>6/7/2018</a:t>
+              <a:t>12/11/2018</a:t>
             </a:fld>
             <a:endParaRPr lang="en-SG"/>
           </a:p>
@@ -1151,7 +1147,7 @@
           <a:p>
             <a:fld id="{03EC4E3E-8101-482F-A883-8B55DAFF7C07}" type="datetimeFigureOut">
               <a:rPr lang="en-SG" smtClean="0"/>
-              <a:t>6/7/2018</a:t>
+              <a:t>12/11/2018</a:t>
             </a:fld>
             <a:endParaRPr lang="en-SG"/>
           </a:p>
@@ -1419,7 +1415,7 @@
           <a:p>
             <a:fld id="{03EC4E3E-8101-482F-A883-8B55DAFF7C07}" type="datetimeFigureOut">
               <a:rPr lang="en-SG" smtClean="0"/>
-              <a:t>6/7/2018</a:t>
+              <a:t>12/11/2018</a:t>
             </a:fld>
             <a:endParaRPr lang="en-SG"/>
           </a:p>
@@ -1834,7 +1830,7 @@
           <a:p>
             <a:fld id="{03EC4E3E-8101-482F-A883-8B55DAFF7C07}" type="datetimeFigureOut">
               <a:rPr lang="en-SG" smtClean="0"/>
-              <a:t>6/7/2018</a:t>
+              <a:t>12/11/2018</a:t>
             </a:fld>
             <a:endParaRPr lang="en-SG"/>
           </a:p>
@@ -1976,7 +1972,7 @@
           <a:p>
             <a:fld id="{03EC4E3E-8101-482F-A883-8B55DAFF7C07}" type="datetimeFigureOut">
               <a:rPr lang="en-SG" smtClean="0"/>
-              <a:t>6/7/2018</a:t>
+              <a:t>12/11/2018</a:t>
             </a:fld>
             <a:endParaRPr lang="en-SG"/>
           </a:p>
@@ -2089,7 +2085,7 @@
           <a:p>
             <a:fld id="{03EC4E3E-8101-482F-A883-8B55DAFF7C07}" type="datetimeFigureOut">
               <a:rPr lang="en-SG" smtClean="0"/>
-              <a:t>6/7/2018</a:t>
+              <a:t>12/11/2018</a:t>
             </a:fld>
             <a:endParaRPr lang="en-SG"/>
           </a:p>
@@ -2402,7 +2398,7 @@
           <a:p>
             <a:fld id="{03EC4E3E-8101-482F-A883-8B55DAFF7C07}" type="datetimeFigureOut">
               <a:rPr lang="en-SG" smtClean="0"/>
-              <a:t>6/7/2018</a:t>
+              <a:t>12/11/2018</a:t>
             </a:fld>
             <a:endParaRPr lang="en-SG"/>
           </a:p>
@@ -2691,7 +2687,7 @@
           <a:p>
             <a:fld id="{03EC4E3E-8101-482F-A883-8B55DAFF7C07}" type="datetimeFigureOut">
               <a:rPr lang="en-SG" smtClean="0"/>
-              <a:t>6/7/2018</a:t>
+              <a:t>12/11/2018</a:t>
             </a:fld>
             <a:endParaRPr lang="en-SG"/>
           </a:p>
@@ -2934,7 +2930,7 @@
           <a:p>
             <a:fld id="{03EC4E3E-8101-482F-A883-8B55DAFF7C07}" type="datetimeFigureOut">
               <a:rPr lang="en-SG" smtClean="0"/>
-              <a:t>6/7/2018</a:t>
+              <a:t>12/11/2018</a:t>
             </a:fld>
             <a:endParaRPr lang="en-SG"/>
           </a:p>
@@ -3410,7 +3406,7 @@
           <p:nvPr>
             <p:extLst>
               <p:ext uri="{D42A27DB-BD31-4B8C-83A1-F6EECF244321}">
-                <p14:modId xmlns:p14="http://schemas.microsoft.com/office/powerpoint/2010/main" val="770650361"/>
+                <p14:modId xmlns:p14="http://schemas.microsoft.com/office/powerpoint/2010/main" val="1116464995"/>
               </p:ext>
             </p:extLst>
           </p:nvPr>
@@ -3440,15 +3436,11 @@
                     <a:bodyPr/>
                     <a:lstStyle/>
                     <a:p>
-                      <a:r>
-                        <a:rPr lang="en-SG" u="sng" dirty="0"/>
-                        <a:t>ab0:</a:t>
-                      </a:r>
+                      <a:pPr algn="ctr"/>
                       <a:r>
                         <a:rPr lang="en-SG" sz="1800" u="sng" dirty="0"/>
-                        <a:t>AddressBook</a:t>
+                        <a:t>rb0:RecruitBook</a:t>
                       </a:r>
-                      <a:endParaRPr lang="en-SG" sz="1600" u="sng" dirty="0"/>
                     </a:p>
                   </a:txBody>
                   <a:tcPr/>
@@ -3500,10 +3492,10 @@
           <a:p>
             <a:pPr algn="ctr"/>
             <a:r>
-              <a:rPr lang="en-SG" dirty="0"/>
-              <a:t>delete 5</a:t>
-            </a:r>
-            <a:endParaRPr lang="en-US" dirty="0"/>
+              <a:rPr lang="en-SG" sz="1600" dirty="0"/>
+              <a:t>deletec5</a:t>
+            </a:r>
+            <a:endParaRPr lang="en-US" sz="1600" dirty="0"/>
           </a:p>
         </p:txBody>
       </p:sp>
@@ -3549,7 +3541,7 @@
           <a:lstStyle/>
           <a:p>
             <a:pPr algn="ctr"/>
-            <a:endParaRPr lang="en-US"/>
+            <a:endParaRPr lang="en-US" dirty="0"/>
           </a:p>
         </p:txBody>
       </p:sp>
@@ -3658,7 +3650,7 @@
           <p:nvPr>
             <p:extLst>
               <p:ext uri="{D42A27DB-BD31-4B8C-83A1-F6EECF244321}">
-                <p14:modId xmlns:p14="http://schemas.microsoft.com/office/powerpoint/2010/main" val="2370624015"/>
+                <p14:modId xmlns:p14="http://schemas.microsoft.com/office/powerpoint/2010/main" val="748907313"/>
               </p:ext>
             </p:extLst>
           </p:nvPr>
@@ -3688,15 +3680,11 @@
                     <a:bodyPr/>
                     <a:lstStyle/>
                     <a:p>
-                      <a:r>
-                        <a:rPr lang="en-SG" u="sng" dirty="0"/>
-                        <a:t>ab1:</a:t>
-                      </a:r>
+                      <a:pPr algn="ctr"/>
                       <a:r>
                         <a:rPr lang="en-SG" sz="1800" u="sng" dirty="0"/>
-                        <a:t>AddressBook</a:t>
+                        <a:t>rb1:RecruitBook</a:t>
                       </a:r>
-                      <a:endParaRPr lang="en-SG" sz="1600" u="sng" dirty="0"/>
                     </a:p>
                   </a:txBody>
                   <a:tcPr/>
@@ -3726,7 +3714,7 @@
           <p:nvPr>
             <p:extLst>
               <p:ext uri="{D42A27DB-BD31-4B8C-83A1-F6EECF244321}">
-                <p14:modId xmlns:p14="http://schemas.microsoft.com/office/powerpoint/2010/main" val="2523374166"/>
+                <p14:modId xmlns:p14="http://schemas.microsoft.com/office/powerpoint/2010/main" val="753829050"/>
               </p:ext>
             </p:extLst>
           </p:nvPr>
@@ -3756,15 +3744,11 @@
                     <a:bodyPr/>
                     <a:lstStyle/>
                     <a:p>
-                      <a:r>
-                        <a:rPr lang="en-SG" u="sng" dirty="0"/>
-                        <a:t>ab0:</a:t>
-                      </a:r>
+                      <a:pPr algn="ctr"/>
                       <a:r>
                         <a:rPr lang="en-SG" sz="1800" u="sng" dirty="0"/>
-                        <a:t>AddressBook</a:t>
+                        <a:t>rb0:RecruitBook</a:t>
                       </a:r>
-                      <a:endParaRPr lang="en-SG" sz="1600" u="sng" dirty="0"/>
                     </a:p>
                   </a:txBody>
                   <a:tcPr/>

--- a/docs/diagrams/UndoRedoNewCommand1StateListDiagram.pptx
+++ b/docs/diagrams/UndoRedoNewCommand1StateListDiagram.pptx
@@ -112,10 +112,6 @@
 </p:presentation>
 </file>
 
-<file path=ppt/revisionInfo.xml><?xml version="1.0" encoding="utf-8"?>
-<p1510:revInfo xmlns:a="http://schemas.openxmlformats.org/drawingml/2006/main" xmlns:r="http://schemas.openxmlformats.org/officeDocument/2006/relationships" xmlns:p1510="http://schemas.microsoft.com/office/powerpoint/2015/10/main"/>
-</file>
-
 <file path=ppt/slideLayouts/slideLayout1.xml><?xml version="1.0" encoding="utf-8"?>
 <p:sldLayout xmlns:a="http://schemas.openxmlformats.org/drawingml/2006/main" xmlns:r="http://schemas.openxmlformats.org/officeDocument/2006/relationships" xmlns:p="http://schemas.openxmlformats.org/presentationml/2006/main" type="title" preserve="1">
   <p:cSld name="Title Slide">
@@ -265,7 +261,7 @@
           <a:p>
             <a:fld id="{03EC4E3E-8101-482F-A883-8B55DAFF7C07}" type="datetimeFigureOut">
               <a:rPr lang="en-SG" smtClean="0"/>
-              <a:t>6/7/2018</a:t>
+              <a:t>12 Nov 2018</a:t>
             </a:fld>
             <a:endParaRPr lang="en-SG"/>
           </a:p>
@@ -465,7 +461,7 @@
           <a:p>
             <a:fld id="{03EC4E3E-8101-482F-A883-8B55DAFF7C07}" type="datetimeFigureOut">
               <a:rPr lang="en-SG" smtClean="0"/>
-              <a:t>6/7/2018</a:t>
+              <a:t>12 Nov 2018</a:t>
             </a:fld>
             <a:endParaRPr lang="en-SG"/>
           </a:p>
@@ -675,7 +671,7 @@
           <a:p>
             <a:fld id="{03EC4E3E-8101-482F-A883-8B55DAFF7C07}" type="datetimeFigureOut">
               <a:rPr lang="en-SG" smtClean="0"/>
-              <a:t>6/7/2018</a:t>
+              <a:t>12 Nov 2018</a:t>
             </a:fld>
             <a:endParaRPr lang="en-SG"/>
           </a:p>
@@ -875,7 +871,7 @@
           <a:p>
             <a:fld id="{03EC4E3E-8101-482F-A883-8B55DAFF7C07}" type="datetimeFigureOut">
               <a:rPr lang="en-SG" smtClean="0"/>
-              <a:t>6/7/2018</a:t>
+              <a:t>12 Nov 2018</a:t>
             </a:fld>
             <a:endParaRPr lang="en-SG"/>
           </a:p>
@@ -1151,7 +1147,7 @@
           <a:p>
             <a:fld id="{03EC4E3E-8101-482F-A883-8B55DAFF7C07}" type="datetimeFigureOut">
               <a:rPr lang="en-SG" smtClean="0"/>
-              <a:t>6/7/2018</a:t>
+              <a:t>12 Nov 2018</a:t>
             </a:fld>
             <a:endParaRPr lang="en-SG"/>
           </a:p>
@@ -1419,7 +1415,7 @@
           <a:p>
             <a:fld id="{03EC4E3E-8101-482F-A883-8B55DAFF7C07}" type="datetimeFigureOut">
               <a:rPr lang="en-SG" smtClean="0"/>
-              <a:t>6/7/2018</a:t>
+              <a:t>12 Nov 2018</a:t>
             </a:fld>
             <a:endParaRPr lang="en-SG"/>
           </a:p>
@@ -1834,7 +1830,7 @@
           <a:p>
             <a:fld id="{03EC4E3E-8101-482F-A883-8B55DAFF7C07}" type="datetimeFigureOut">
               <a:rPr lang="en-SG" smtClean="0"/>
-              <a:t>6/7/2018</a:t>
+              <a:t>12 Nov 2018</a:t>
             </a:fld>
             <a:endParaRPr lang="en-SG"/>
           </a:p>
@@ -1976,7 +1972,7 @@
           <a:p>
             <a:fld id="{03EC4E3E-8101-482F-A883-8B55DAFF7C07}" type="datetimeFigureOut">
               <a:rPr lang="en-SG" smtClean="0"/>
-              <a:t>6/7/2018</a:t>
+              <a:t>12 Nov 2018</a:t>
             </a:fld>
             <a:endParaRPr lang="en-SG"/>
           </a:p>
@@ -2089,7 +2085,7 @@
           <a:p>
             <a:fld id="{03EC4E3E-8101-482F-A883-8B55DAFF7C07}" type="datetimeFigureOut">
               <a:rPr lang="en-SG" smtClean="0"/>
-              <a:t>6/7/2018</a:t>
+              <a:t>12 Nov 2018</a:t>
             </a:fld>
             <a:endParaRPr lang="en-SG"/>
           </a:p>
@@ -2402,7 +2398,7 @@
           <a:p>
             <a:fld id="{03EC4E3E-8101-482F-A883-8B55DAFF7C07}" type="datetimeFigureOut">
               <a:rPr lang="en-SG" smtClean="0"/>
-              <a:t>6/7/2018</a:t>
+              <a:t>12 Nov 2018</a:t>
             </a:fld>
             <a:endParaRPr lang="en-SG"/>
           </a:p>
@@ -2691,7 +2687,7 @@
           <a:p>
             <a:fld id="{03EC4E3E-8101-482F-A883-8B55DAFF7C07}" type="datetimeFigureOut">
               <a:rPr lang="en-SG" smtClean="0"/>
-              <a:t>6/7/2018</a:t>
+              <a:t>12 Nov 2018</a:t>
             </a:fld>
             <a:endParaRPr lang="en-SG"/>
           </a:p>
@@ -2934,7 +2930,7 @@
           <a:p>
             <a:fld id="{03EC4E3E-8101-482F-A883-8B55DAFF7C07}" type="datetimeFigureOut">
               <a:rPr lang="en-SG" smtClean="0"/>
-              <a:t>6/7/2018</a:t>
+              <a:t>12 Nov 2018</a:t>
             </a:fld>
             <a:endParaRPr lang="en-SG"/>
           </a:p>
@@ -3410,7 +3406,7 @@
           <p:nvPr>
             <p:extLst>
               <p:ext uri="{D42A27DB-BD31-4B8C-83A1-F6EECF244321}">
-                <p14:modId xmlns:p14="http://schemas.microsoft.com/office/powerpoint/2010/main" val="770650361"/>
+                <p14:modId xmlns:p14="http://schemas.microsoft.com/office/powerpoint/2010/main" val="1284108524"/>
               </p:ext>
             </p:extLst>
           </p:nvPr>
@@ -3440,13 +3436,14 @@
                     <a:bodyPr/>
                     <a:lstStyle/>
                     <a:p>
+                      <a:pPr algn="ctr"/>
                       <a:r>
                         <a:rPr lang="en-SG" u="sng" dirty="0"/>
                         <a:t>ab0:</a:t>
                       </a:r>
                       <a:r>
                         <a:rPr lang="en-SG" sz="1800" u="sng" dirty="0"/>
-                        <a:t>AddressBook</a:t>
+                        <a:t>StockList</a:t>
                       </a:r>
                       <a:endParaRPr lang="en-SG" sz="1600" u="sng" dirty="0"/>
                     </a:p>
@@ -3658,7 +3655,7 @@
           <p:nvPr>
             <p:extLst>
               <p:ext uri="{D42A27DB-BD31-4B8C-83A1-F6EECF244321}">
-                <p14:modId xmlns:p14="http://schemas.microsoft.com/office/powerpoint/2010/main" val="2370624015"/>
+                <p14:modId xmlns:p14="http://schemas.microsoft.com/office/powerpoint/2010/main" val="3118197097"/>
               </p:ext>
             </p:extLst>
           </p:nvPr>
@@ -3688,13 +3685,14 @@
                     <a:bodyPr/>
                     <a:lstStyle/>
                     <a:p>
+                      <a:pPr algn="ctr"/>
                       <a:r>
                         <a:rPr lang="en-SG" u="sng" dirty="0"/>
                         <a:t>ab1:</a:t>
                       </a:r>
                       <a:r>
                         <a:rPr lang="en-SG" sz="1800" u="sng" dirty="0"/>
-                        <a:t>AddressBook</a:t>
+                        <a:t>StockList</a:t>
                       </a:r>
                       <a:endParaRPr lang="en-SG" sz="1600" u="sng" dirty="0"/>
                     </a:p>
@@ -3726,7 +3724,7 @@
           <p:nvPr>
             <p:extLst>
               <p:ext uri="{D42A27DB-BD31-4B8C-83A1-F6EECF244321}">
-                <p14:modId xmlns:p14="http://schemas.microsoft.com/office/powerpoint/2010/main" val="2523374166"/>
+                <p14:modId xmlns:p14="http://schemas.microsoft.com/office/powerpoint/2010/main" val="1991735865"/>
               </p:ext>
             </p:extLst>
           </p:nvPr>
@@ -3756,13 +3754,14 @@
                     <a:bodyPr/>
                     <a:lstStyle/>
                     <a:p>
+                      <a:pPr algn="ctr"/>
                       <a:r>
                         <a:rPr lang="en-SG" u="sng" dirty="0"/>
                         <a:t>ab0:</a:t>
                       </a:r>
                       <a:r>
                         <a:rPr lang="en-SG" sz="1800" u="sng" dirty="0"/>
-                        <a:t>AddressBook</a:t>
+                        <a:t>StockList</a:t>
                       </a:r>
                       <a:endParaRPr lang="en-SG" sz="1600" u="sng" dirty="0"/>
                     </a:p>

--- a/docs/diagrams/UndoRedoNewCommand1StateListDiagram.pptx
+++ b/docs/diagrams/UndoRedoNewCommand1StateListDiagram.pptx
@@ -112,10 +112,6 @@
 </p:presentation>
 </file>
 
-<file path=ppt/revisionInfo.xml><?xml version="1.0" encoding="utf-8"?>
-<p1510:revInfo xmlns:a="http://schemas.openxmlformats.org/drawingml/2006/main" xmlns:r="http://schemas.openxmlformats.org/officeDocument/2006/relationships" xmlns:p1510="http://schemas.microsoft.com/office/powerpoint/2015/10/main"/>
-</file>
-
 <file path=ppt/slideLayouts/slideLayout1.xml><?xml version="1.0" encoding="utf-8"?>
 <p:sldLayout xmlns:a="http://schemas.openxmlformats.org/drawingml/2006/main" xmlns:r="http://schemas.openxmlformats.org/officeDocument/2006/relationships" xmlns:p="http://schemas.openxmlformats.org/presentationml/2006/main" type="title" preserve="1">
   <p:cSld name="Title Slide">
@@ -265,7 +261,7 @@
           <a:p>
             <a:fld id="{03EC4E3E-8101-482F-A883-8B55DAFF7C07}" type="datetimeFigureOut">
               <a:rPr lang="en-SG" smtClean="0"/>
-              <a:t>6/7/2018</a:t>
+              <a:t>12/11/18</a:t>
             </a:fld>
             <a:endParaRPr lang="en-SG"/>
           </a:p>
@@ -465,7 +461,7 @@
           <a:p>
             <a:fld id="{03EC4E3E-8101-482F-A883-8B55DAFF7C07}" type="datetimeFigureOut">
               <a:rPr lang="en-SG" smtClean="0"/>
-              <a:t>6/7/2018</a:t>
+              <a:t>12/11/18</a:t>
             </a:fld>
             <a:endParaRPr lang="en-SG"/>
           </a:p>
@@ -675,7 +671,7 @@
           <a:p>
             <a:fld id="{03EC4E3E-8101-482F-A883-8B55DAFF7C07}" type="datetimeFigureOut">
               <a:rPr lang="en-SG" smtClean="0"/>
-              <a:t>6/7/2018</a:t>
+              <a:t>12/11/18</a:t>
             </a:fld>
             <a:endParaRPr lang="en-SG"/>
           </a:p>
@@ -875,7 +871,7 @@
           <a:p>
             <a:fld id="{03EC4E3E-8101-482F-A883-8B55DAFF7C07}" type="datetimeFigureOut">
               <a:rPr lang="en-SG" smtClean="0"/>
-              <a:t>6/7/2018</a:t>
+              <a:t>12/11/18</a:t>
             </a:fld>
             <a:endParaRPr lang="en-SG"/>
           </a:p>
@@ -1151,7 +1147,7 @@
           <a:p>
             <a:fld id="{03EC4E3E-8101-482F-A883-8B55DAFF7C07}" type="datetimeFigureOut">
               <a:rPr lang="en-SG" smtClean="0"/>
-              <a:t>6/7/2018</a:t>
+              <a:t>12/11/18</a:t>
             </a:fld>
             <a:endParaRPr lang="en-SG"/>
           </a:p>
@@ -1419,7 +1415,7 @@
           <a:p>
             <a:fld id="{03EC4E3E-8101-482F-A883-8B55DAFF7C07}" type="datetimeFigureOut">
               <a:rPr lang="en-SG" smtClean="0"/>
-              <a:t>6/7/2018</a:t>
+              <a:t>12/11/18</a:t>
             </a:fld>
             <a:endParaRPr lang="en-SG"/>
           </a:p>
@@ -1834,7 +1830,7 @@
           <a:p>
             <a:fld id="{03EC4E3E-8101-482F-A883-8B55DAFF7C07}" type="datetimeFigureOut">
               <a:rPr lang="en-SG" smtClean="0"/>
-              <a:t>6/7/2018</a:t>
+              <a:t>12/11/18</a:t>
             </a:fld>
             <a:endParaRPr lang="en-SG"/>
           </a:p>
@@ -1976,7 +1972,7 @@
           <a:p>
             <a:fld id="{03EC4E3E-8101-482F-A883-8B55DAFF7C07}" type="datetimeFigureOut">
               <a:rPr lang="en-SG" smtClean="0"/>
-              <a:t>6/7/2018</a:t>
+              <a:t>12/11/18</a:t>
             </a:fld>
             <a:endParaRPr lang="en-SG"/>
           </a:p>
@@ -2089,7 +2085,7 @@
           <a:p>
             <a:fld id="{03EC4E3E-8101-482F-A883-8B55DAFF7C07}" type="datetimeFigureOut">
               <a:rPr lang="en-SG" smtClean="0"/>
-              <a:t>6/7/2018</a:t>
+              <a:t>12/11/18</a:t>
             </a:fld>
             <a:endParaRPr lang="en-SG"/>
           </a:p>
@@ -2402,7 +2398,7 @@
           <a:p>
             <a:fld id="{03EC4E3E-8101-482F-A883-8B55DAFF7C07}" type="datetimeFigureOut">
               <a:rPr lang="en-SG" smtClean="0"/>
-              <a:t>6/7/2018</a:t>
+              <a:t>12/11/18</a:t>
             </a:fld>
             <a:endParaRPr lang="en-SG"/>
           </a:p>
@@ -2691,7 +2687,7 @@
           <a:p>
             <a:fld id="{03EC4E3E-8101-482F-A883-8B55DAFF7C07}" type="datetimeFigureOut">
               <a:rPr lang="en-SG" smtClean="0"/>
-              <a:t>6/7/2018</a:t>
+              <a:t>12/11/18</a:t>
             </a:fld>
             <a:endParaRPr lang="en-SG"/>
           </a:p>
@@ -2934,7 +2930,7 @@
           <a:p>
             <a:fld id="{03EC4E3E-8101-482F-A883-8B55DAFF7C07}" type="datetimeFigureOut">
               <a:rPr lang="en-SG" smtClean="0"/>
-              <a:t>6/7/2018</a:t>
+              <a:t>12/11/18</a:t>
             </a:fld>
             <a:endParaRPr lang="en-SG"/>
           </a:p>
@@ -3351,522 +3347,42 @@
           <a:chExt cx="0" cy="0"/>
         </a:xfrm>
       </p:grpSpPr>
-      <p:sp>
-        <p:nvSpPr>
-          <p:cNvPr id="45" name="TextBox 44">
-            <a:extLst>
-              <a:ext uri="{FF2B5EF4-FFF2-40B4-BE49-F238E27FC236}">
-                <a16:creationId xmlns:a16="http://schemas.microsoft.com/office/drawing/2014/main" id="{3151A13B-9509-43FA-BFEB-1D9866A00B84}"/>
-              </a:ext>
-            </a:extLst>
-          </p:cNvPr>
-          <p:cNvSpPr txBox="1"/>
+      <p:pic>
+        <p:nvPicPr>
+          <p:cNvPr id="7" name="Picture 6">
+            <a:extLst>
+              <a:ext uri="{FF2B5EF4-FFF2-40B4-BE49-F238E27FC236}">
+                <a16:creationId xmlns:a16="http://schemas.microsoft.com/office/drawing/2014/main" id="{A945DBD0-5195-AF4E-99B7-48D96F9AEAC2}"/>
+              </a:ext>
+            </a:extLst>
+          </p:cNvPr>
+          <p:cNvPicPr>
+            <a:picLocks noChangeAspect="1"/>
+          </p:cNvPicPr>
           <p:nvPr/>
-        </p:nvSpPr>
+        </p:nvPicPr>
+        <p:blipFill>
+          <a:blip r:embed="rId2">
+            <a:extLst>
+              <a:ext uri="{28A0092B-C50C-407E-A947-70E740481C1C}">
+                <a14:useLocalDpi xmlns:a14="http://schemas.microsoft.com/office/drawing/2010/main" val="0"/>
+              </a:ext>
+            </a:extLst>
+          </a:blip>
+          <a:stretch>
+            <a:fillRect/>
+          </a:stretch>
+        </p:blipFill>
         <p:spPr>
           <a:xfrm>
-            <a:off x="0" y="2760740"/>
-            <a:ext cx="3207000" cy="369332"/>
+            <a:off x="2615432" y="1432253"/>
+            <a:ext cx="6961135" cy="3993493"/>
           </a:xfrm>
           <a:prstGeom prst="rect">
             <a:avLst/>
           </a:prstGeom>
-          <a:noFill/>
         </p:spPr>
-        <p:txBody>
-          <a:bodyPr wrap="square" rtlCol="0">
-            <a:spAutoFit/>
-          </a:bodyPr>
-          <a:lstStyle/>
-          <a:p>
-            <a:pPr algn="ctr"/>
-            <a:r>
-              <a:rPr lang="en-SG" dirty="0" err="1">
-                <a:latin typeface="Consolas" panose="020B0609020204030204" pitchFamily="49" charset="0"/>
-              </a:rPr>
-              <a:t>currentStatePointer</a:t>
-            </a:r>
-            <a:r>
-              <a:rPr lang="en-SG" dirty="0">
-                <a:latin typeface="Consolas" panose="020B0609020204030204" pitchFamily="49" charset="0"/>
-              </a:rPr>
-              <a:t> = 0</a:t>
-            </a:r>
-          </a:p>
-        </p:txBody>
-      </p:sp>
-      <p:graphicFrame>
-        <p:nvGraphicFramePr>
-          <p:cNvPr id="13" name="Table 12">
-            <a:extLst>
-              <a:ext uri="{FF2B5EF4-FFF2-40B4-BE49-F238E27FC236}">
-                <a16:creationId xmlns:a16="http://schemas.microsoft.com/office/drawing/2014/main" id="{F545FAB8-F1CE-4886-9BDE-E772BCB0A9C4}"/>
-              </a:ext>
-            </a:extLst>
-          </p:cNvPr>
-          <p:cNvGraphicFramePr>
-            <a:graphicFrameLocks noGrp="1"/>
-          </p:cNvGraphicFramePr>
-          <p:nvPr>
-            <p:extLst>
-              <p:ext uri="{D42A27DB-BD31-4B8C-83A1-F6EECF244321}">
-                <p14:modId xmlns:p14="http://schemas.microsoft.com/office/powerpoint/2010/main" val="770650361"/>
-              </p:ext>
-            </p:extLst>
-          </p:nvPr>
-        </p:nvGraphicFramePr>
-        <p:xfrm>
-          <a:off x="473240" y="1476102"/>
-          <a:ext cx="1833356" cy="410363"/>
-        </p:xfrm>
-        <a:graphic>
-          <a:graphicData uri="http://schemas.openxmlformats.org/drawingml/2006/table">
-            <a:tbl>
-              <a:tblPr>
-                <a:tableStyleId>{638B1855-1B75-4FBE-930C-398BA8C253C6}</a:tableStyleId>
-              </a:tblPr>
-              <a:tblGrid>
-                <a:gridCol w="1833356">
-                  <a:extLst>
-                    <a:ext uri="{9D8B030D-6E8A-4147-A177-3AD203B41FA5}">
-                      <a16:colId xmlns:a16="http://schemas.microsoft.com/office/drawing/2014/main" val="4240773277"/>
-                    </a:ext>
-                  </a:extLst>
-                </a:gridCol>
-              </a:tblGrid>
-              <a:tr h="410363">
-                <a:tc>
-                  <a:txBody>
-                    <a:bodyPr/>
-                    <a:lstStyle/>
-                    <a:p>
-                      <a:r>
-                        <a:rPr lang="en-SG" u="sng" dirty="0"/>
-                        <a:t>ab0:</a:t>
-                      </a:r>
-                      <a:r>
-                        <a:rPr lang="en-SG" sz="1800" u="sng" dirty="0"/>
-                        <a:t>AddressBook</a:t>
-                      </a:r>
-                      <a:endParaRPr lang="en-SG" sz="1600" u="sng" dirty="0"/>
-                    </a:p>
-                  </a:txBody>
-                  <a:tcPr/>
-                </a:tc>
-                <a:extLst>
-                  <a:ext uri="{0D108BD9-81ED-4DB2-BD59-A6C34878D82A}">
-                    <a16:rowId xmlns:a16="http://schemas.microsoft.com/office/drawing/2014/main" val="2194462629"/>
-                  </a:ext>
-                </a:extLst>
-              </a:tr>
-            </a:tbl>
-          </a:graphicData>
-        </a:graphic>
-      </p:graphicFrame>
-      <p:sp>
-        <p:nvSpPr>
-          <p:cNvPr id="3" name="Down Arrow 2"/>
-          <p:cNvSpPr/>
-          <p:nvPr/>
-        </p:nvSpPr>
-        <p:spPr>
-          <a:xfrm>
-            <a:off x="4397701" y="2244365"/>
-            <a:ext cx="1672046" cy="1402081"/>
-          </a:xfrm>
-          <a:prstGeom prst="downArrow">
-            <a:avLst/>
-          </a:prstGeom>
-        </p:spPr>
-        <p:style>
-          <a:lnRef idx="2">
-            <a:schemeClr val="accent1">
-              <a:shade val="50000"/>
-            </a:schemeClr>
-          </a:lnRef>
-          <a:fillRef idx="1">
-            <a:schemeClr val="accent1"/>
-          </a:fillRef>
-          <a:effectRef idx="0">
-            <a:schemeClr val="accent1"/>
-          </a:effectRef>
-          <a:fontRef idx="minor">
-            <a:schemeClr val="lt1"/>
-          </a:fontRef>
-        </p:style>
-        <p:txBody>
-          <a:bodyPr rtlCol="0" anchor="ctr"/>
-          <a:lstStyle/>
-          <a:p>
-            <a:pPr algn="ctr"/>
-            <a:r>
-              <a:rPr lang="en-SG" dirty="0"/>
-              <a:t>delete 5</a:t>
-            </a:r>
-            <a:endParaRPr lang="en-US" dirty="0"/>
-          </a:p>
-        </p:txBody>
-      </p:sp>
-      <p:sp>
-        <p:nvSpPr>
-          <p:cNvPr id="4" name="Rectangle 3"/>
-          <p:cNvSpPr/>
-          <p:nvPr/>
-        </p:nvSpPr>
-        <p:spPr>
-          <a:xfrm>
-            <a:off x="364797" y="1375953"/>
-            <a:ext cx="11364686" cy="618187"/>
-          </a:xfrm>
-          <a:prstGeom prst="rect">
-            <a:avLst/>
-          </a:prstGeom>
-          <a:noFill/>
-          <a:ln>
-            <a:solidFill>
-              <a:schemeClr val="tx1"/>
-            </a:solidFill>
-          </a:ln>
-        </p:spPr>
-        <p:style>
-          <a:lnRef idx="2">
-            <a:schemeClr val="accent1">
-              <a:shade val="50000"/>
-            </a:schemeClr>
-          </a:lnRef>
-          <a:fillRef idx="1">
-            <a:schemeClr val="accent1"/>
-          </a:fillRef>
-          <a:effectRef idx="0">
-            <a:schemeClr val="accent1"/>
-          </a:effectRef>
-          <a:fontRef idx="minor">
-            <a:schemeClr val="lt1"/>
-          </a:fontRef>
-        </p:style>
-        <p:txBody>
-          <a:bodyPr rtlCol="0" anchor="ctr"/>
-          <a:lstStyle/>
-          <a:p>
-            <a:pPr algn="ctr"/>
-            <a:endParaRPr lang="en-US"/>
-          </a:p>
-        </p:txBody>
-      </p:sp>
-      <p:sp>
-        <p:nvSpPr>
-          <p:cNvPr id="19" name="TextBox 18">
-            <a:extLst>
-              <a:ext uri="{FF2B5EF4-FFF2-40B4-BE49-F238E27FC236}">
-                <a16:creationId xmlns:a16="http://schemas.microsoft.com/office/drawing/2014/main" id="{3151A13B-9509-43FA-BFEB-1D9866A00B84}"/>
-              </a:ext>
-            </a:extLst>
-          </p:cNvPr>
-          <p:cNvSpPr txBox="1"/>
-          <p:nvPr/>
-        </p:nvSpPr>
-        <p:spPr>
-          <a:xfrm>
-            <a:off x="1967014" y="5245581"/>
-            <a:ext cx="3207000" cy="369332"/>
-          </a:xfrm>
-          <a:prstGeom prst="rect">
-            <a:avLst/>
-          </a:prstGeom>
-          <a:noFill/>
-        </p:spPr>
-        <p:txBody>
-          <a:bodyPr wrap="square" rtlCol="0">
-            <a:spAutoFit/>
-          </a:bodyPr>
-          <a:lstStyle/>
-          <a:p>
-            <a:pPr algn="ctr"/>
-            <a:r>
-              <a:rPr lang="en-SG" dirty="0" err="1">
-                <a:latin typeface="Consolas" panose="020B0609020204030204" pitchFamily="49" charset="0"/>
-              </a:rPr>
-              <a:t>currentStatePointer</a:t>
-            </a:r>
-            <a:r>
-              <a:rPr lang="en-SG" dirty="0">
-                <a:latin typeface="Consolas" panose="020B0609020204030204" pitchFamily="49" charset="0"/>
-              </a:rPr>
-              <a:t> = 1</a:t>
-            </a:r>
-          </a:p>
-        </p:txBody>
-      </p:sp>
-      <p:sp>
-        <p:nvSpPr>
-          <p:cNvPr id="27" name="Rectangle 26"/>
-          <p:cNvSpPr/>
-          <p:nvPr/>
-        </p:nvSpPr>
-        <p:spPr>
-          <a:xfrm>
-            <a:off x="387404" y="3838574"/>
-            <a:ext cx="11364686" cy="593918"/>
-          </a:xfrm>
-          <a:prstGeom prst="rect">
-            <a:avLst/>
-          </a:prstGeom>
-          <a:noFill/>
-          <a:ln>
-            <a:solidFill>
-              <a:schemeClr val="tx1"/>
-            </a:solidFill>
-          </a:ln>
-        </p:spPr>
-        <p:style>
-          <a:lnRef idx="2">
-            <a:schemeClr val="accent1">
-              <a:shade val="50000"/>
-            </a:schemeClr>
-          </a:lnRef>
-          <a:fillRef idx="1">
-            <a:schemeClr val="accent1"/>
-          </a:fillRef>
-          <a:effectRef idx="0">
-            <a:schemeClr val="accent1"/>
-          </a:effectRef>
-          <a:fontRef idx="minor">
-            <a:schemeClr val="lt1"/>
-          </a:fontRef>
-        </p:style>
-        <p:txBody>
-          <a:bodyPr rtlCol="0" anchor="ctr"/>
-          <a:lstStyle/>
-          <a:p>
-            <a:pPr algn="ctr"/>
-            <a:endParaRPr lang="en-US"/>
-          </a:p>
-        </p:txBody>
-      </p:sp>
-      <p:graphicFrame>
-        <p:nvGraphicFramePr>
-          <p:cNvPr id="12" name="Table 11">
-            <a:extLst>
-              <a:ext uri="{FF2B5EF4-FFF2-40B4-BE49-F238E27FC236}">
-                <a16:creationId xmlns:a16="http://schemas.microsoft.com/office/drawing/2014/main" id="{F545FAB8-F1CE-4886-9BDE-E772BCB0A9C4}"/>
-              </a:ext>
-            </a:extLst>
-          </p:cNvPr>
-          <p:cNvGraphicFramePr>
-            <a:graphicFrameLocks noGrp="1"/>
-          </p:cNvGraphicFramePr>
-          <p:nvPr>
-            <p:extLst>
-              <p:ext uri="{D42A27DB-BD31-4B8C-83A1-F6EECF244321}">
-                <p14:modId xmlns:p14="http://schemas.microsoft.com/office/powerpoint/2010/main" val="2370624015"/>
-              </p:ext>
-            </p:extLst>
-          </p:nvPr>
-        </p:nvGraphicFramePr>
-        <p:xfrm>
-          <a:off x="2448268" y="3926065"/>
-          <a:ext cx="1833356" cy="410363"/>
-        </p:xfrm>
-        <a:graphic>
-          <a:graphicData uri="http://schemas.openxmlformats.org/drawingml/2006/table">
-            <a:tbl>
-              <a:tblPr>
-                <a:tableStyleId>{638B1855-1B75-4FBE-930C-398BA8C253C6}</a:tableStyleId>
-              </a:tblPr>
-              <a:tblGrid>
-                <a:gridCol w="1833356">
-                  <a:extLst>
-                    <a:ext uri="{9D8B030D-6E8A-4147-A177-3AD203B41FA5}">
-                      <a16:colId xmlns:a16="http://schemas.microsoft.com/office/drawing/2014/main" val="4240773277"/>
-                    </a:ext>
-                  </a:extLst>
-                </a:gridCol>
-              </a:tblGrid>
-              <a:tr h="410363">
-                <a:tc>
-                  <a:txBody>
-                    <a:bodyPr/>
-                    <a:lstStyle/>
-                    <a:p>
-                      <a:r>
-                        <a:rPr lang="en-SG" u="sng" dirty="0"/>
-                        <a:t>ab1:</a:t>
-                      </a:r>
-                      <a:r>
-                        <a:rPr lang="en-SG" sz="1800" u="sng" dirty="0"/>
-                        <a:t>AddressBook</a:t>
-                      </a:r>
-                      <a:endParaRPr lang="en-SG" sz="1600" u="sng" dirty="0"/>
-                    </a:p>
-                  </a:txBody>
-                  <a:tcPr/>
-                </a:tc>
-                <a:extLst>
-                  <a:ext uri="{0D108BD9-81ED-4DB2-BD59-A6C34878D82A}">
-                    <a16:rowId xmlns:a16="http://schemas.microsoft.com/office/drawing/2014/main" val="2194462629"/>
-                  </a:ext>
-                </a:extLst>
-              </a:tr>
-            </a:tbl>
-          </a:graphicData>
-        </a:graphic>
-      </p:graphicFrame>
-      <p:graphicFrame>
-        <p:nvGraphicFramePr>
-          <p:cNvPr id="15" name="Table 14">
-            <a:extLst>
-              <a:ext uri="{FF2B5EF4-FFF2-40B4-BE49-F238E27FC236}">
-                <a16:creationId xmlns:a16="http://schemas.microsoft.com/office/drawing/2014/main" id="{F545FAB8-F1CE-4886-9BDE-E772BCB0A9C4}"/>
-              </a:ext>
-            </a:extLst>
-          </p:cNvPr>
-          <p:cNvGraphicFramePr>
-            <a:graphicFrameLocks noGrp="1"/>
-          </p:cNvGraphicFramePr>
-          <p:nvPr>
-            <p:extLst>
-              <p:ext uri="{D42A27DB-BD31-4B8C-83A1-F6EECF244321}">
-                <p14:modId xmlns:p14="http://schemas.microsoft.com/office/powerpoint/2010/main" val="2523374166"/>
-              </p:ext>
-            </p:extLst>
-          </p:nvPr>
-        </p:nvGraphicFramePr>
-        <p:xfrm>
-          <a:off x="473240" y="3918002"/>
-          <a:ext cx="1833356" cy="410363"/>
-        </p:xfrm>
-        <a:graphic>
-          <a:graphicData uri="http://schemas.openxmlformats.org/drawingml/2006/table">
-            <a:tbl>
-              <a:tblPr>
-                <a:tableStyleId>{638B1855-1B75-4FBE-930C-398BA8C253C6}</a:tableStyleId>
-              </a:tblPr>
-              <a:tblGrid>
-                <a:gridCol w="1833356">
-                  <a:extLst>
-                    <a:ext uri="{9D8B030D-6E8A-4147-A177-3AD203B41FA5}">
-                      <a16:colId xmlns:a16="http://schemas.microsoft.com/office/drawing/2014/main" val="4240773277"/>
-                    </a:ext>
-                  </a:extLst>
-                </a:gridCol>
-              </a:tblGrid>
-              <a:tr h="410363">
-                <a:tc>
-                  <a:txBody>
-                    <a:bodyPr/>
-                    <a:lstStyle/>
-                    <a:p>
-                      <a:r>
-                        <a:rPr lang="en-SG" u="sng" dirty="0"/>
-                        <a:t>ab0:</a:t>
-                      </a:r>
-                      <a:r>
-                        <a:rPr lang="en-SG" sz="1800" u="sng" dirty="0"/>
-                        <a:t>AddressBook</a:t>
-                      </a:r>
-                      <a:endParaRPr lang="en-SG" sz="1600" u="sng" dirty="0"/>
-                    </a:p>
-                  </a:txBody>
-                  <a:tcPr/>
-                </a:tc>
-                <a:extLst>
-                  <a:ext uri="{0D108BD9-81ED-4DB2-BD59-A6C34878D82A}">
-                    <a16:rowId xmlns:a16="http://schemas.microsoft.com/office/drawing/2014/main" val="2194462629"/>
-                  </a:ext>
-                </a:extLst>
-              </a:tr>
-            </a:tbl>
-          </a:graphicData>
-        </a:graphic>
-      </p:graphicFrame>
-      <p:cxnSp>
-        <p:nvCxnSpPr>
-          <p:cNvPr id="14" name="Straight Arrow Connector 13">
-            <a:extLst>
-              <a:ext uri="{FF2B5EF4-FFF2-40B4-BE49-F238E27FC236}">
-                <a16:creationId xmlns:a16="http://schemas.microsoft.com/office/drawing/2014/main" id="{4E562EDA-12B3-44FD-8B44-BCF3C4356EB8}"/>
-              </a:ext>
-            </a:extLst>
-          </p:cNvPr>
-          <p:cNvCxnSpPr>
-            <a:cxnSpLocks/>
-          </p:cNvCxnSpPr>
-          <p:nvPr/>
-        </p:nvCxnSpPr>
-        <p:spPr>
-          <a:xfrm flipV="1">
-            <a:off x="1409350" y="2053867"/>
-            <a:ext cx="0" cy="706873"/>
-          </a:xfrm>
-          <a:prstGeom prst="straightConnector1">
-            <a:avLst/>
-          </a:prstGeom>
-          <a:ln>
-            <a:solidFill>
-              <a:srgbClr val="C00000"/>
-            </a:solidFill>
-            <a:tailEnd type="triangle"/>
-          </a:ln>
-        </p:spPr>
-        <p:style>
-          <a:lnRef idx="1">
-            <a:schemeClr val="accent1"/>
-          </a:lnRef>
-          <a:fillRef idx="0">
-            <a:schemeClr val="accent1"/>
-          </a:fillRef>
-          <a:effectRef idx="0">
-            <a:schemeClr val="accent1"/>
-          </a:effectRef>
-          <a:fontRef idx="minor">
-            <a:schemeClr val="tx1"/>
-          </a:fontRef>
-        </p:style>
-      </p:cxnSp>
-      <p:cxnSp>
-        <p:nvCxnSpPr>
-          <p:cNvPr id="16" name="Straight Arrow Connector 15">
-            <a:extLst>
-              <a:ext uri="{FF2B5EF4-FFF2-40B4-BE49-F238E27FC236}">
-                <a16:creationId xmlns:a16="http://schemas.microsoft.com/office/drawing/2014/main" id="{0C07500F-40C6-444B-B521-89577F312910}"/>
-              </a:ext>
-            </a:extLst>
-          </p:cNvPr>
-          <p:cNvCxnSpPr>
-            <a:cxnSpLocks/>
-          </p:cNvCxnSpPr>
-          <p:nvPr/>
-        </p:nvCxnSpPr>
-        <p:spPr>
-          <a:xfrm flipV="1">
-            <a:off x="3389152" y="4538708"/>
-            <a:ext cx="0" cy="706873"/>
-          </a:xfrm>
-          <a:prstGeom prst="straightConnector1">
-            <a:avLst/>
-          </a:prstGeom>
-          <a:ln>
-            <a:solidFill>
-              <a:srgbClr val="C00000"/>
-            </a:solidFill>
-            <a:tailEnd type="triangle"/>
-          </a:ln>
-        </p:spPr>
-        <p:style>
-          <a:lnRef idx="1">
-            <a:schemeClr val="accent1"/>
-          </a:lnRef>
-          <a:fillRef idx="0">
-            <a:schemeClr val="accent1"/>
-          </a:fillRef>
-          <a:effectRef idx="0">
-            <a:schemeClr val="accent1"/>
-          </a:effectRef>
-          <a:fontRef idx="minor">
-            <a:schemeClr val="tx1"/>
-          </a:fontRef>
-        </p:style>
-      </p:cxnSp>
+      </p:pic>
     </p:spTree>
     <p:extLst>
       <p:ext uri="{BB962C8B-B14F-4D97-AF65-F5344CB8AC3E}">
